--- a/阿里学长线上商城.pptx
+++ b/阿里学长线上商城.pptx
@@ -6,26 +6,24 @@
     <p:sldMasterId id="2147483661" r:id="rId2"/>
   </p:sldMasterIdLst>
   <p:notesMasterIdLst>
-    <p:notesMasterId r:id="rId20"/>
+    <p:notesMasterId r:id="rId18"/>
   </p:notesMasterIdLst>
   <p:sldIdLst>
     <p:sldId id="256" r:id="rId3"/>
-    <p:sldId id="381" r:id="rId4"/>
-    <p:sldId id="382" r:id="rId5"/>
-    <p:sldId id="383" r:id="rId6"/>
-    <p:sldId id="384" r:id="rId7"/>
-    <p:sldId id="385" r:id="rId8"/>
-    <p:sldId id="377" r:id="rId9"/>
-    <p:sldId id="378" r:id="rId10"/>
-    <p:sldId id="379" r:id="rId11"/>
-    <p:sldId id="380" r:id="rId12"/>
-    <p:sldId id="373" r:id="rId13"/>
-    <p:sldId id="376" r:id="rId14"/>
-    <p:sldId id="375" r:id="rId15"/>
-    <p:sldId id="393" r:id="rId16"/>
-    <p:sldId id="394" r:id="rId17"/>
-    <p:sldId id="395" r:id="rId18"/>
-    <p:sldId id="396" r:id="rId19"/>
+    <p:sldId id="383" r:id="rId4"/>
+    <p:sldId id="384" r:id="rId5"/>
+    <p:sldId id="385" r:id="rId6"/>
+    <p:sldId id="377" r:id="rId7"/>
+    <p:sldId id="378" r:id="rId8"/>
+    <p:sldId id="379" r:id="rId9"/>
+    <p:sldId id="380" r:id="rId10"/>
+    <p:sldId id="373" r:id="rId11"/>
+    <p:sldId id="376" r:id="rId12"/>
+    <p:sldId id="375" r:id="rId13"/>
+    <p:sldId id="393" r:id="rId14"/>
+    <p:sldId id="394" r:id="rId15"/>
+    <p:sldId id="395" r:id="rId16"/>
+    <p:sldId id="396" r:id="rId17"/>
   </p:sldIdLst>
   <p:sldSz cx="12192000" cy="6858000"/>
   <p:notesSz cx="6858000" cy="9144000"/>
@@ -214,7 +212,7 @@
           <a:p>
             <a:fld id="{118976FC-BFB3-4E91-8FFC-F92A1676D9AD}" type="datetimeFigureOut">
               <a:rPr lang="zh-CN" altLang="en-US" smtClean="0"/>
-              <a:t>2020/6/21</a:t>
+              <a:t>2020/7/9</a:t>
             </a:fld>
             <a:endParaRPr lang="zh-CN" altLang="en-US"/>
           </a:p>
@@ -1195,248 +1193,6 @@
         </p:txBody>
       </p:sp>
     </p:spTree>
-  </p:cSld>
-  <p:clrMapOvr>
-    <a:masterClrMapping/>
-  </p:clrMapOvr>
-</p:notes>
-</file>
-
-<file path=ppt/notesSlides/notesSlide15.xml><?xml version="1.0" encoding="utf-8"?>
-<p:notes xmlns:a="http://schemas.openxmlformats.org/drawingml/2006/main" xmlns:r="http://schemas.openxmlformats.org/officeDocument/2006/relationships" xmlns:p="http://schemas.openxmlformats.org/presentationml/2006/main">
-  <p:cSld>
-    <p:spTree>
-      <p:nvGrpSpPr>
-        <p:cNvPr id="1" name=""/>
-        <p:cNvGrpSpPr/>
-        <p:nvPr/>
-      </p:nvGrpSpPr>
-      <p:grpSpPr>
-        <a:xfrm>
-          <a:off x="0" y="0"/>
-          <a:ext cx="0" cy="0"/>
-          <a:chOff x="0" y="0"/>
-          <a:chExt cx="0" cy="0"/>
-        </a:xfrm>
-      </p:grpSpPr>
-      <p:sp>
-        <p:nvSpPr>
-          <p:cNvPr id="2" name="幻灯片图像占位符 1"/>
-          <p:cNvSpPr>
-            <a:spLocks noGrp="1" noRot="1" noChangeAspect="1"/>
-          </p:cNvSpPr>
-          <p:nvPr>
-            <p:ph type="sldImg"/>
-          </p:nvPr>
-        </p:nvSpPr>
-        <p:spPr/>
-      </p:sp>
-      <p:sp>
-        <p:nvSpPr>
-          <p:cNvPr id="3" name="备注占位符 2"/>
-          <p:cNvSpPr>
-            <a:spLocks noGrp="1"/>
-          </p:cNvSpPr>
-          <p:nvPr>
-            <p:ph type="body" idx="1"/>
-          </p:nvPr>
-        </p:nvSpPr>
-        <p:spPr/>
-        <p:txBody>
-          <a:bodyPr/>
-          <a:lstStyle/>
-          <a:p>
-            <a:endParaRPr lang="zh-CN" altLang="en-US"/>
-          </a:p>
-        </p:txBody>
-      </p:sp>
-      <p:sp>
-        <p:nvSpPr>
-          <p:cNvPr id="4" name="灯片编号占位符 3"/>
-          <p:cNvSpPr>
-            <a:spLocks noGrp="1"/>
-          </p:cNvSpPr>
-          <p:nvPr>
-            <p:ph type="sldNum" sz="quarter" idx="10"/>
-          </p:nvPr>
-        </p:nvSpPr>
-        <p:spPr/>
-        <p:txBody>
-          <a:bodyPr/>
-          <a:lstStyle/>
-          <a:p>
-            <a:pPr marL="0" marR="0" lvl="0" indent="0" algn="r" defTabSz="685800" rtl="0" eaLnBrk="1" fontAlgn="auto" latinLnBrk="0" hangingPunct="1">
-              <a:lnSpc>
-                <a:spcPct val="100000"/>
-              </a:lnSpc>
-              <a:spcBef>
-                <a:spcPts val="0"/>
-              </a:spcBef>
-              <a:spcAft>
-                <a:spcPts val="0"/>
-              </a:spcAft>
-              <a:buClrTx/>
-              <a:buSzTx/>
-              <a:buFontTx/>
-              <a:buNone/>
-              <a:defRPr/>
-            </a:pPr>
-            <a:fld id="{AE847B17-AD01-4D47-BDF4-A13317929404}" type="slidenum">
-              <a:rPr kumimoji="0" lang="zh-CN" altLang="en-US" sz="1200" b="0" i="0" u="none" strike="noStrike" kern="1200" cap="none" spc="0" normalizeH="0" baseline="0" noProof="0" smtClean="0">
-                <a:ln>
-                  <a:noFill/>
-                </a:ln>
-                <a:solidFill>
-                  <a:prstClr val="black"/>
-                </a:solidFill>
-                <a:effectLst/>
-                <a:uLnTx/>
-                <a:uFillTx/>
-                <a:latin typeface="Calibri" panose="020F0502020204030204"/>
-                <a:ea typeface="宋体" panose="02010600030101010101" pitchFamily="2" charset="-122"/>
-                <a:cs typeface="+mn-cs"/>
-              </a:rPr>
-              <a:t>16</a:t>
-            </a:fld>
-            <a:endParaRPr kumimoji="0" lang="zh-CN" altLang="en-US" sz="1200" b="0" i="0" u="none" strike="noStrike" kern="1200" cap="none" spc="0" normalizeH="0" baseline="0" noProof="0">
-              <a:ln>
-                <a:noFill/>
-              </a:ln>
-              <a:solidFill>
-                <a:prstClr val="black"/>
-              </a:solidFill>
-              <a:effectLst/>
-              <a:uLnTx/>
-              <a:uFillTx/>
-              <a:latin typeface="Calibri" panose="020F0502020204030204"/>
-              <a:ea typeface="宋体" panose="02010600030101010101" pitchFamily="2" charset="-122"/>
-              <a:cs typeface="+mn-cs"/>
-            </a:endParaRPr>
-          </a:p>
-        </p:txBody>
-      </p:sp>
-    </p:spTree>
-  </p:cSld>
-  <p:clrMapOvr>
-    <a:masterClrMapping/>
-  </p:clrMapOvr>
-</p:notes>
-</file>
-
-<file path=ppt/notesSlides/notesSlide16.xml><?xml version="1.0" encoding="utf-8"?>
-<p:notes xmlns:a="http://schemas.openxmlformats.org/drawingml/2006/main" xmlns:r="http://schemas.openxmlformats.org/officeDocument/2006/relationships" xmlns:p="http://schemas.openxmlformats.org/presentationml/2006/main">
-  <p:cSld>
-    <p:spTree>
-      <p:nvGrpSpPr>
-        <p:cNvPr id="1" name=""/>
-        <p:cNvGrpSpPr/>
-        <p:nvPr/>
-      </p:nvGrpSpPr>
-      <p:grpSpPr>
-        <a:xfrm>
-          <a:off x="0" y="0"/>
-          <a:ext cx="0" cy="0"/>
-          <a:chOff x="0" y="0"/>
-          <a:chExt cx="0" cy="0"/>
-        </a:xfrm>
-      </p:grpSpPr>
-      <p:sp>
-        <p:nvSpPr>
-          <p:cNvPr id="2" name="幻灯片图像占位符 1"/>
-          <p:cNvSpPr>
-            <a:spLocks noGrp="1" noRot="1" noChangeAspect="1"/>
-          </p:cNvSpPr>
-          <p:nvPr>
-            <p:ph type="sldImg"/>
-          </p:nvPr>
-        </p:nvSpPr>
-        <p:spPr/>
-      </p:sp>
-      <p:sp>
-        <p:nvSpPr>
-          <p:cNvPr id="3" name="备注占位符 2"/>
-          <p:cNvSpPr>
-            <a:spLocks noGrp="1"/>
-          </p:cNvSpPr>
-          <p:nvPr>
-            <p:ph type="body" idx="1"/>
-          </p:nvPr>
-        </p:nvSpPr>
-        <p:spPr/>
-        <p:txBody>
-          <a:bodyPr/>
-          <a:lstStyle/>
-          <a:p>
-            <a:endParaRPr lang="zh-CN" altLang="en-US"/>
-          </a:p>
-        </p:txBody>
-      </p:sp>
-      <p:sp>
-        <p:nvSpPr>
-          <p:cNvPr id="4" name="灯片编号占位符 3"/>
-          <p:cNvSpPr>
-            <a:spLocks noGrp="1"/>
-          </p:cNvSpPr>
-          <p:nvPr>
-            <p:ph type="sldNum" sz="quarter" idx="10"/>
-          </p:nvPr>
-        </p:nvSpPr>
-        <p:spPr/>
-        <p:txBody>
-          <a:bodyPr/>
-          <a:lstStyle/>
-          <a:p>
-            <a:pPr marL="0" marR="0" lvl="0" indent="0" algn="r" defTabSz="685800" rtl="0" eaLnBrk="1" fontAlgn="auto" latinLnBrk="0" hangingPunct="1">
-              <a:lnSpc>
-                <a:spcPct val="100000"/>
-              </a:lnSpc>
-              <a:spcBef>
-                <a:spcPts val="0"/>
-              </a:spcBef>
-              <a:spcAft>
-                <a:spcPts val="0"/>
-              </a:spcAft>
-              <a:buClrTx/>
-              <a:buSzTx/>
-              <a:buFontTx/>
-              <a:buNone/>
-              <a:defRPr/>
-            </a:pPr>
-            <a:fld id="{AE847B17-AD01-4D47-BDF4-A13317929404}" type="slidenum">
-              <a:rPr kumimoji="0" lang="zh-CN" altLang="en-US" sz="1200" b="0" i="0" u="none" strike="noStrike" kern="1200" cap="none" spc="0" normalizeH="0" baseline="0" noProof="0" smtClean="0">
-                <a:ln>
-                  <a:noFill/>
-                </a:ln>
-                <a:solidFill>
-                  <a:prstClr val="black"/>
-                </a:solidFill>
-                <a:effectLst/>
-                <a:uLnTx/>
-                <a:uFillTx/>
-                <a:latin typeface="Calibri" panose="020F0502020204030204"/>
-                <a:ea typeface="宋体" panose="02010600030101010101" pitchFamily="2" charset="-122"/>
-                <a:cs typeface="+mn-cs"/>
-              </a:rPr>
-              <a:t>17</a:t>
-            </a:fld>
-            <a:endParaRPr kumimoji="0" lang="zh-CN" altLang="en-US" sz="1200" b="0" i="0" u="none" strike="noStrike" kern="1200" cap="none" spc="0" normalizeH="0" baseline="0" noProof="0">
-              <a:ln>
-                <a:noFill/>
-              </a:ln>
-              <a:solidFill>
-                <a:prstClr val="black"/>
-              </a:solidFill>
-              <a:effectLst/>
-              <a:uLnTx/>
-              <a:uFillTx/>
-              <a:latin typeface="Calibri" panose="020F0502020204030204"/>
-              <a:ea typeface="宋体" panose="02010600030101010101" pitchFamily="2" charset="-122"/>
-              <a:cs typeface="+mn-cs"/>
-            </a:endParaRPr>
-          </a:p>
-        </p:txBody>
-      </p:sp>
-    </p:spTree>
     <p:extLst>
       <p:ext uri="{BB962C8B-B14F-4D97-AF65-F5344CB8AC3E}">
         <p14:creationId xmlns:p14="http://schemas.microsoft.com/office/powerpoint/2010/main" val="2893129085"/>
@@ -2546,7 +2302,7 @@
           <a:p>
             <a:fld id="{922E3BF0-B9B3-460D-92E6-9A1A408719E6}" type="datetimeFigureOut">
               <a:rPr lang="zh-CN" altLang="en-US" smtClean="0"/>
-              <a:t>2020/6/21</a:t>
+              <a:t>2020/7/9</a:t>
             </a:fld>
             <a:endParaRPr lang="zh-CN" altLang="en-US"/>
           </a:p>
@@ -2709,7 +2465,7 @@
           <a:p>
             <a:fld id="{922E3BF0-B9B3-460D-92E6-9A1A408719E6}" type="datetimeFigureOut">
               <a:rPr lang="zh-CN" altLang="en-US" smtClean="0"/>
-              <a:t>2020/6/21</a:t>
+              <a:t>2020/7/9</a:t>
             </a:fld>
             <a:endParaRPr lang="zh-CN" altLang="en-US"/>
           </a:p>
@@ -2882,7 +2638,7 @@
           <a:p>
             <a:fld id="{922E3BF0-B9B3-460D-92E6-9A1A408719E6}" type="datetimeFigureOut">
               <a:rPr lang="zh-CN" altLang="en-US" smtClean="0"/>
-              <a:t>2020/6/21</a:t>
+              <a:t>2020/7/9</a:t>
             </a:fld>
             <a:endParaRPr lang="zh-CN" altLang="en-US"/>
           </a:p>
@@ -3993,7 +3749,7 @@
           <a:p>
             <a:fld id="{D669989D-4831-4E99-B76E-9A53CB0F3A88}" type="datetimeFigureOut">
               <a:rPr lang="zh-CN" altLang="en-US" smtClean="0"/>
-              <a:t>2020/6/21</a:t>
+              <a:t>2020/7/9</a:t>
             </a:fld>
             <a:endParaRPr lang="zh-CN" altLang="en-US"/>
           </a:p>
@@ -4257,7 +4013,7 @@
           <a:p>
             <a:fld id="{D669989D-4831-4E99-B76E-9A53CB0F3A88}" type="datetimeFigureOut">
               <a:rPr lang="zh-CN" altLang="en-US" smtClean="0"/>
-              <a:t>2020/6/21</a:t>
+              <a:t>2020/7/9</a:t>
             </a:fld>
             <a:endParaRPr lang="zh-CN" altLang="en-US"/>
           </a:p>
@@ -4434,7 +4190,7 @@
           <a:p>
             <a:fld id="{D669989D-4831-4E99-B76E-9A53CB0F3A88}" type="datetimeFigureOut">
               <a:rPr lang="zh-CN" altLang="en-US" smtClean="0"/>
-              <a:t>2020/6/21</a:t>
+              <a:t>2020/7/9</a:t>
             </a:fld>
             <a:endParaRPr lang="zh-CN" altLang="en-US"/>
           </a:p>
@@ -4609,7 +4365,7 @@
           <a:p>
             <a:fld id="{922E3BF0-B9B3-460D-92E6-9A1A408719E6}" type="datetimeFigureOut">
               <a:rPr lang="zh-CN" altLang="en-US" smtClean="0"/>
-              <a:t>2020/6/21</a:t>
+              <a:t>2020/7/9</a:t>
             </a:fld>
             <a:endParaRPr lang="zh-CN" altLang="en-US"/>
           </a:p>
@@ -4784,7 +4540,7 @@
           <a:p>
             <a:fld id="{D669989D-4831-4E99-B76E-9A53CB0F3A88}" type="datetimeFigureOut">
               <a:rPr lang="zh-CN" altLang="en-US" smtClean="0"/>
-              <a:t>2020/6/21</a:t>
+              <a:t>2020/7/9</a:t>
             </a:fld>
             <a:endParaRPr lang="zh-CN" altLang="en-US"/>
           </a:p>
@@ -4981,7 +4737,7 @@
           <a:p>
             <a:fld id="{7646B68C-4B7D-45C2-AE48-816E60A780C2}" type="datetimeFigureOut">
               <a:rPr lang="zh-CN" altLang="en-US" smtClean="0"/>
-              <a:t>2020/6/21</a:t>
+              <a:t>2020/7/9</a:t>
             </a:fld>
             <a:endParaRPr lang="zh-CN" altLang="en-US"/>
           </a:p>
@@ -5270,7 +5026,7 @@
           <a:p>
             <a:fld id="{922E3BF0-B9B3-460D-92E6-9A1A408719E6}" type="datetimeFigureOut">
               <a:rPr lang="zh-CN" altLang="en-US" smtClean="0"/>
-              <a:t>2020/6/21</a:t>
+              <a:t>2020/7/9</a:t>
             </a:fld>
             <a:endParaRPr lang="zh-CN" altLang="en-US"/>
           </a:p>
@@ -5494,7 +5250,7 @@
           <a:p>
             <a:fld id="{922E3BF0-B9B3-460D-92E6-9A1A408719E6}" type="datetimeFigureOut">
               <a:rPr lang="zh-CN" altLang="en-US" smtClean="0"/>
-              <a:t>2020/6/21</a:t>
+              <a:t>2020/7/9</a:t>
             </a:fld>
             <a:endParaRPr lang="zh-CN" altLang="en-US"/>
           </a:p>
@@ -5853,7 +5609,7 @@
           <a:p>
             <a:fld id="{922E3BF0-B9B3-460D-92E6-9A1A408719E6}" type="datetimeFigureOut">
               <a:rPr lang="zh-CN" altLang="en-US" smtClean="0"/>
-              <a:t>2020/6/21</a:t>
+              <a:t>2020/7/9</a:t>
             </a:fld>
             <a:endParaRPr lang="zh-CN" altLang="en-US"/>
           </a:p>
@@ -5965,7 +5721,7 @@
           <a:p>
             <a:fld id="{922E3BF0-B9B3-460D-92E6-9A1A408719E6}" type="datetimeFigureOut">
               <a:rPr lang="zh-CN" altLang="en-US" smtClean="0"/>
-              <a:t>2020/6/21</a:t>
+              <a:t>2020/7/9</a:t>
             </a:fld>
             <a:endParaRPr lang="zh-CN" altLang="en-US"/>
           </a:p>
@@ -6055,7 +5811,7 @@
           <a:p>
             <a:fld id="{922E3BF0-B9B3-460D-92E6-9A1A408719E6}" type="datetimeFigureOut">
               <a:rPr lang="zh-CN" altLang="en-US" smtClean="0"/>
-              <a:t>2020/6/21</a:t>
+              <a:t>2020/7/9</a:t>
             </a:fld>
             <a:endParaRPr lang="zh-CN" altLang="en-US"/>
           </a:p>
@@ -6325,7 +6081,7 @@
           <a:p>
             <a:fld id="{922E3BF0-B9B3-460D-92E6-9A1A408719E6}" type="datetimeFigureOut">
               <a:rPr lang="zh-CN" altLang="en-US" smtClean="0"/>
-              <a:t>2020/6/21</a:t>
+              <a:t>2020/7/9</a:t>
             </a:fld>
             <a:endParaRPr lang="zh-CN" altLang="en-US"/>
           </a:p>
@@ -6572,7 +6328,7 @@
           <a:p>
             <a:fld id="{922E3BF0-B9B3-460D-92E6-9A1A408719E6}" type="datetimeFigureOut">
               <a:rPr lang="zh-CN" altLang="en-US" smtClean="0"/>
-              <a:t>2020/6/21</a:t>
+              <a:t>2020/7/9</a:t>
             </a:fld>
             <a:endParaRPr lang="zh-CN" altLang="en-US"/>
           </a:p>
@@ -6778,7 +6534,7 @@
           <a:p>
             <a:fld id="{922E3BF0-B9B3-460D-92E6-9A1A408719E6}" type="datetimeFigureOut">
               <a:rPr lang="zh-CN" altLang="en-US" smtClean="0"/>
-              <a:t>2020/6/21</a:t>
+              <a:t>2020/7/9</a:t>
             </a:fld>
             <a:endParaRPr lang="zh-CN" altLang="en-US"/>
           </a:p>
@@ -7317,7 +7073,7 @@
           <a:p>
             <a:fld id="{D669989D-4831-4E99-B76E-9A53CB0F3A88}" type="datetimeFigureOut">
               <a:rPr lang="zh-CN" altLang="en-US" smtClean="0"/>
-              <a:t>2020/6/21</a:t>
+              <a:t>2020/7/9</a:t>
             </a:fld>
             <a:endParaRPr lang="zh-CN" altLang="en-US"/>
           </a:p>
@@ -7816,22 +7572,20 @@
           </a:bodyPr>
           <a:lstStyle/>
           <a:p>
-            <a:pPr marL="0" marR="0" lvl="0" indent="0" algn="ctr" defTabSz="914400" rtl="0" eaLnBrk="1" fontAlgn="auto" latinLnBrk="0" hangingPunct="1">
-              <a:lnSpc>
-                <a:spcPct val="100000"/>
-              </a:lnSpc>
-              <a:spcBef>
-                <a:spcPts val="0"/>
-              </a:spcBef>
-              <a:spcAft>
-                <a:spcPts val="0"/>
-              </a:spcAft>
-              <a:buClrTx/>
-              <a:buSzTx/>
-              <a:buFontTx/>
-              <a:buNone/>
+            <a:pPr algn="ctr" defTabSz="914400">
               <a:defRPr/>
             </a:pPr>
+            <a:r>
+              <a:rPr lang="zh-CN" altLang="en-US" sz="3200" b="1" kern="100" dirty="0">
+                <a:solidFill>
+                  <a:srgbClr val="29323F"/>
+                </a:solidFill>
+                <a:latin typeface="微软雅黑" panose="020B0503020204020204" pitchFamily="34" charset="-122"/>
+                <a:ea typeface="微软雅黑" panose="020B0503020204020204" pitchFamily="34" charset="-122"/>
+                <a:cs typeface="Times New Roman" panose="02020603050405020304" pitchFamily="18" charset="0"/>
+              </a:rPr>
+              <a:t>第</a:t>
+            </a:r>
             <a:r>
               <a:rPr kumimoji="0" lang="zh-CN" altLang="en-US" sz="3200" b="1" i="0" u="none" strike="noStrike" kern="100" cap="none" spc="0" normalizeH="0" baseline="0" noProof="0" dirty="0">
                 <a:ln>
@@ -7847,328 +7601,8 @@
                 <a:ea typeface="微软雅黑" panose="020B0503020204020204" pitchFamily="34" charset="-122"/>
                 <a:cs typeface="Times New Roman" panose="02020603050405020304" pitchFamily="18" charset="0"/>
               </a:rPr>
-              <a:t>第三部分：设计讲解（部分）</a:t>
-            </a:r>
-          </a:p>
-        </p:txBody>
-      </p:sp>
-      <p:sp>
-        <p:nvSpPr>
-          <p:cNvPr id="2" name="文本框 1"/>
-          <p:cNvSpPr txBox="1"/>
-          <p:nvPr/>
-        </p:nvSpPr>
-        <p:spPr>
-          <a:xfrm>
-            <a:off x="593560" y="1021478"/>
-            <a:ext cx="10186737" cy="1846468"/>
-          </a:xfrm>
-          <a:prstGeom prst="rect">
-            <a:avLst/>
-          </a:prstGeom>
-          <a:noFill/>
-        </p:spPr>
-        <p:txBody>
-          <a:bodyPr wrap="square" rtlCol="0">
-            <a:spAutoFit/>
-          </a:bodyPr>
-          <a:lstStyle/>
-          <a:p>
-            <a:pPr marL="0" marR="0" lvl="0" indent="0" algn="l" defTabSz="914400" rtl="0" eaLnBrk="1" fontAlgn="auto" latinLnBrk="0" hangingPunct="1">
-              <a:lnSpc>
-                <a:spcPct val="100000"/>
-              </a:lnSpc>
-              <a:spcBef>
-                <a:spcPts val="0"/>
-              </a:spcBef>
-              <a:spcAft>
-                <a:spcPts val="0"/>
-              </a:spcAft>
-              <a:buClrTx/>
-              <a:buSzTx/>
-              <a:buFontTx/>
-              <a:buNone/>
-              <a:defRPr/>
-            </a:pPr>
-            <a:r>
-              <a:rPr kumimoji="0" lang="en-US" altLang="zh-CN" sz="3200" b="0" i="0" u="none" strike="noStrike" kern="1200" cap="none" spc="0" normalizeH="0" baseline="0" noProof="0" dirty="0" err="1">
-                <a:ln>
-                  <a:noFill/>
-                </a:ln>
-                <a:solidFill>
-                  <a:prstClr val="black"/>
-                </a:solidFill>
-                <a:effectLst/>
-                <a:uLnTx/>
-                <a:uFillTx/>
-                <a:latin typeface="微软雅黑" panose="020B0503020204020204" pitchFamily="34" charset="-122"/>
-                <a:ea typeface="微软雅黑" panose="020B0503020204020204" pitchFamily="34" charset="-122"/>
-                <a:cs typeface="+mn-cs"/>
-              </a:rPr>
-              <a:t>orderList.jsp</a:t>
-            </a:r>
-            <a:r>
-              <a:rPr kumimoji="0" lang="zh-CN" altLang="en-US" sz="3200" b="0" i="0" u="none" strike="noStrike" kern="1200" cap="none" spc="0" normalizeH="0" baseline="0" noProof="0" dirty="0">
-                <a:ln>
-                  <a:noFill/>
-                </a:ln>
-                <a:solidFill>
-                  <a:prstClr val="black"/>
-                </a:solidFill>
-                <a:effectLst/>
-                <a:uLnTx/>
-                <a:uFillTx/>
-                <a:latin typeface="微软雅黑" panose="020B0503020204020204" pitchFamily="34" charset="-122"/>
-                <a:ea typeface="微软雅黑" panose="020B0503020204020204" pitchFamily="34" charset="-122"/>
-                <a:cs typeface="+mn-cs"/>
-              </a:rPr>
-              <a:t>（</a:t>
-            </a:r>
-            <a:r>
-              <a:rPr lang="zh-CN" altLang="en-US" sz="3200" dirty="0">
-                <a:solidFill>
-                  <a:prstClr val="black"/>
-                </a:solidFill>
-                <a:latin typeface="微软雅黑" panose="020B0503020204020204" pitchFamily="34" charset="-122"/>
-                <a:ea typeface="微软雅黑" panose="020B0503020204020204" pitchFamily="34" charset="-122"/>
-              </a:rPr>
-              <a:t>购物车</a:t>
-            </a:r>
-            <a:r>
-              <a:rPr kumimoji="0" lang="zh-CN" altLang="en-US" sz="3200" b="0" i="0" u="none" strike="noStrike" kern="1200" cap="none" spc="0" normalizeH="0" baseline="0" noProof="0" dirty="0">
-                <a:ln>
-                  <a:noFill/>
-                </a:ln>
-                <a:solidFill>
-                  <a:prstClr val="black"/>
-                </a:solidFill>
-                <a:effectLst/>
-                <a:uLnTx/>
-                <a:uFillTx/>
-                <a:latin typeface="微软雅黑" panose="020B0503020204020204" pitchFamily="34" charset="-122"/>
-                <a:ea typeface="微软雅黑" panose="020B0503020204020204" pitchFamily="34" charset="-122"/>
-                <a:cs typeface="+mn-cs"/>
-              </a:rPr>
-              <a:t>）</a:t>
-            </a:r>
-            <a:endParaRPr kumimoji="0" lang="en-US" altLang="zh-CN" sz="3200" b="0" i="0" u="none" strike="noStrike" kern="1200" cap="none" spc="0" normalizeH="0" baseline="0" noProof="0" dirty="0">
-              <a:ln>
-                <a:noFill/>
-              </a:ln>
-              <a:solidFill>
-                <a:prstClr val="black"/>
-              </a:solidFill>
-              <a:effectLst/>
-              <a:uLnTx/>
-              <a:uFillTx/>
-              <a:latin typeface="微软雅黑" panose="020B0503020204020204" pitchFamily="34" charset="-122"/>
-              <a:ea typeface="微软雅黑" panose="020B0503020204020204" pitchFamily="34" charset="-122"/>
-              <a:cs typeface="+mn-cs"/>
-            </a:endParaRPr>
-          </a:p>
-          <a:p>
-            <a:pPr marL="0" marR="0" lvl="0" indent="0" algn="l" defTabSz="914400" rtl="0" eaLnBrk="1" fontAlgn="auto" latinLnBrk="0" hangingPunct="1">
-              <a:lnSpc>
-                <a:spcPct val="100000"/>
-              </a:lnSpc>
-              <a:spcBef>
-                <a:spcPts val="0"/>
-              </a:spcBef>
-              <a:spcAft>
-                <a:spcPts val="0"/>
-              </a:spcAft>
-              <a:buClrTx/>
-              <a:buSzTx/>
-              <a:buFontTx/>
-              <a:buNone/>
-              <a:defRPr/>
-            </a:pPr>
-            <a:endParaRPr kumimoji="0" lang="en-US" altLang="zh-CN" sz="1800" b="0" i="0" u="none" strike="noStrike" kern="1200" cap="none" spc="0" normalizeH="0" baseline="0" noProof="0" dirty="0">
-              <a:ln>
-                <a:noFill/>
-              </a:ln>
-              <a:solidFill>
-                <a:prstClr val="black"/>
-              </a:solidFill>
-              <a:effectLst/>
-              <a:uLnTx/>
-              <a:uFillTx/>
-              <a:latin typeface="Calibri Light" panose="020F0302020204030204"/>
-              <a:ea typeface="微软雅黑 Light" panose="020B0502040204020203" charset="-122"/>
-              <a:cs typeface="+mn-cs"/>
-            </a:endParaRPr>
-          </a:p>
-          <a:p>
-            <a:pPr marL="0" marR="0" lvl="0" indent="0" algn="l" defTabSz="914400" rtl="0" eaLnBrk="1" fontAlgn="auto" latinLnBrk="0" hangingPunct="1">
-              <a:lnSpc>
-                <a:spcPct val="100000"/>
-              </a:lnSpc>
-              <a:spcBef>
-                <a:spcPts val="0"/>
-              </a:spcBef>
-              <a:spcAft>
-                <a:spcPts val="0"/>
-              </a:spcAft>
-              <a:buClrTx/>
-              <a:buSzTx/>
-              <a:buFontTx/>
-              <a:buNone/>
-              <a:defRPr/>
-            </a:pPr>
-            <a:r>
-              <a:rPr kumimoji="0" lang="zh-CN" altLang="en-US" sz="2135" b="0" i="0" u="none" strike="noStrike" kern="1200" cap="none" spc="0" normalizeH="0" baseline="0" noProof="0" dirty="0">
-                <a:ln>
-                  <a:noFill/>
-                </a:ln>
-                <a:solidFill>
-                  <a:prstClr val="black"/>
-                </a:solidFill>
-                <a:effectLst/>
-                <a:uLnTx/>
-                <a:uFillTx/>
-                <a:latin typeface="宋体" panose="02010600030101010101" pitchFamily="2" charset="-122"/>
-                <a:ea typeface="宋体" panose="02010600030101010101" pitchFamily="2" charset="-122"/>
-                <a:cs typeface="+mn-cs"/>
-              </a:rPr>
-              <a:t>功能描述：根据当前登录的用户查询</a:t>
-            </a:r>
-            <a:r>
-              <a:rPr kumimoji="0" lang="en-US" altLang="zh-CN" sz="2135" b="0" i="0" u="none" strike="noStrike" kern="1200" cap="none" spc="0" normalizeH="0" baseline="0" noProof="0" dirty="0">
-                <a:ln>
-                  <a:noFill/>
-                </a:ln>
-                <a:solidFill>
-                  <a:prstClr val="black"/>
-                </a:solidFill>
-                <a:effectLst/>
-                <a:uLnTx/>
-                <a:uFillTx/>
-                <a:latin typeface="宋体" panose="02010600030101010101" pitchFamily="2" charset="-122"/>
-                <a:ea typeface="宋体" panose="02010600030101010101" pitchFamily="2" charset="-122"/>
-                <a:cs typeface="+mn-cs"/>
-              </a:rPr>
-              <a:t>order</a:t>
-            </a:r>
-            <a:r>
-              <a:rPr kumimoji="0" lang="zh-CN" altLang="en-US" sz="2135" b="0" i="0" u="none" strike="noStrike" kern="1200" cap="none" spc="0" normalizeH="0" baseline="0" noProof="0" dirty="0">
-                <a:ln>
-                  <a:noFill/>
-                </a:ln>
-                <a:solidFill>
-                  <a:prstClr val="black"/>
-                </a:solidFill>
-                <a:effectLst/>
-                <a:uLnTx/>
-                <a:uFillTx/>
-                <a:latin typeface="宋体" panose="02010600030101010101" pitchFamily="2" charset="-122"/>
-                <a:ea typeface="宋体" panose="02010600030101010101" pitchFamily="2" charset="-122"/>
-                <a:cs typeface="+mn-cs"/>
-              </a:rPr>
-              <a:t>表，将订单信息和状态显示到页面，点击等待付款进行付款之后更新订单状态为等待发货，管理员可以进行发货，订单状态会变成确认收货，点击确认收货，订单状态变为交易完成。</a:t>
-            </a:r>
-            <a:endParaRPr kumimoji="0" lang="en-US" altLang="zh-CN" sz="2135" b="0" i="0" u="none" strike="noStrike" kern="1200" cap="none" spc="0" normalizeH="0" baseline="0" noProof="0" dirty="0">
-              <a:ln>
-                <a:noFill/>
-              </a:ln>
-              <a:solidFill>
-                <a:prstClr val="black"/>
-              </a:solidFill>
-              <a:effectLst/>
-              <a:uLnTx/>
-              <a:uFillTx/>
-              <a:latin typeface="宋体" panose="02010600030101010101" pitchFamily="2" charset="-122"/>
-              <a:ea typeface="宋体" panose="02010600030101010101" pitchFamily="2" charset="-122"/>
-              <a:cs typeface="+mn-cs"/>
-            </a:endParaRPr>
-          </a:p>
-        </p:txBody>
-      </p:sp>
-      <p:pic>
-        <p:nvPicPr>
-          <p:cNvPr id="5" name="图片 4"/>
-          <p:cNvPicPr>
-            <a:picLocks noChangeAspect="1"/>
-          </p:cNvPicPr>
-          <p:nvPr/>
-        </p:nvPicPr>
-        <p:blipFill>
-          <a:blip r:embed="rId3"/>
-          <a:stretch>
-            <a:fillRect/>
-          </a:stretch>
-        </p:blipFill>
-        <p:spPr>
-          <a:xfrm>
-            <a:off x="2138193" y="2867946"/>
-            <a:ext cx="7542633" cy="3553174"/>
-          </a:xfrm>
-          <a:prstGeom prst="rect">
-            <a:avLst/>
-          </a:prstGeom>
-        </p:spPr>
-      </p:pic>
-    </p:spTree>
-  </p:cSld>
-  <p:clrMapOvr>
-    <a:masterClrMapping/>
-  </p:clrMapOvr>
-  <mc:AlternateContent xmlns:mc="http://schemas.openxmlformats.org/markup-compatibility/2006" xmlns:p14="http://schemas.microsoft.com/office/powerpoint/2010/main">
-    <mc:Choice Requires="p14">
-      <p:transition spd="med" p14:dur="700">
-        <p:fade/>
-      </p:transition>
-    </mc:Choice>
-    <mc:Fallback xmlns="">
-      <p:transition spd="med">
-        <p:fade/>
-      </p:transition>
-    </mc:Fallback>
-  </mc:AlternateContent>
-</p:sld>
-</file>
-
-<file path=ppt/slides/slide11.xml><?xml version="1.0" encoding="utf-8"?>
-<p:sld xmlns:a="http://schemas.openxmlformats.org/drawingml/2006/main" xmlns:r="http://schemas.openxmlformats.org/officeDocument/2006/relationships" xmlns:p="http://schemas.openxmlformats.org/presentationml/2006/main">
-  <p:cSld>
-    <p:spTree>
-      <p:nvGrpSpPr>
-        <p:cNvPr id="1" name=""/>
-        <p:cNvGrpSpPr/>
-        <p:nvPr/>
-      </p:nvGrpSpPr>
-      <p:grpSpPr>
-        <a:xfrm>
-          <a:off x="0" y="0"/>
-          <a:ext cx="0" cy="0"/>
-          <a:chOff x="0" y="0"/>
-          <a:chExt cx="0" cy="0"/>
-        </a:xfrm>
-      </p:grpSpPr>
-      <p:sp>
-        <p:nvSpPr>
-          <p:cNvPr id="4" name="矩形 3"/>
-          <p:cNvSpPr/>
-          <p:nvPr/>
-        </p:nvSpPr>
-        <p:spPr bwMode="auto">
-          <a:xfrm>
-            <a:off x="390050" y="240030"/>
-            <a:ext cx="5519460" cy="584775"/>
-          </a:xfrm>
-          <a:prstGeom prst="rect">
-            <a:avLst/>
-          </a:prstGeom>
-          <a:noFill/>
-        </p:spPr>
-        <p:txBody>
-          <a:bodyPr wrap="none">
-            <a:spAutoFit/>
-          </a:bodyPr>
-          <a:lstStyle/>
-          <a:p>
-            <a:pPr algn="ctr" defTabSz="914400">
-              <a:defRPr/>
-            </a:pPr>
+              <a:t>二</a:t>
+            </a:r>
             <a:r>
               <a:rPr lang="zh-CN" altLang="en-US" sz="3200" b="1" kern="100" dirty="0">
                 <a:solidFill>
@@ -8178,190 +7612,7 @@
                 <a:ea typeface="微软雅黑" panose="020B0503020204020204" pitchFamily="34" charset="-122"/>
                 <a:cs typeface="Times New Roman" panose="02020603050405020304" pitchFamily="18" charset="0"/>
               </a:rPr>
-              <a:t>第三部分：设计讲解（部分）</a:t>
-            </a:r>
-          </a:p>
-        </p:txBody>
-      </p:sp>
-      <p:sp>
-        <p:nvSpPr>
-          <p:cNvPr id="2" name="文本框 1"/>
-          <p:cNvSpPr txBox="1"/>
-          <p:nvPr/>
-        </p:nvSpPr>
-        <p:spPr>
-          <a:xfrm>
-            <a:off x="593560" y="1021478"/>
-            <a:ext cx="10186737" cy="1846468"/>
-          </a:xfrm>
-          <a:prstGeom prst="rect">
-            <a:avLst/>
-          </a:prstGeom>
-          <a:noFill/>
-        </p:spPr>
-        <p:txBody>
-          <a:bodyPr wrap="square" rtlCol="0">
-            <a:spAutoFit/>
-          </a:bodyPr>
-          <a:lstStyle/>
-          <a:p>
-            <a:pPr defTabSz="914400"/>
-            <a:r>
-              <a:rPr lang="en-US" altLang="zh-CN" sz="3200" dirty="0" err="1">
-                <a:solidFill>
-                  <a:prstClr val="black"/>
-                </a:solidFill>
-                <a:latin typeface="微软雅黑" panose="020B0503020204020204" pitchFamily="34" charset="-122"/>
-                <a:ea typeface="微软雅黑" panose="020B0503020204020204" pitchFamily="34" charset="-122"/>
-              </a:rPr>
-              <a:t>login.jsp</a:t>
-            </a:r>
-            <a:r>
-              <a:rPr lang="zh-CN" altLang="en-US" sz="3200" dirty="0">
-                <a:solidFill>
-                  <a:prstClr val="black"/>
-                </a:solidFill>
-                <a:latin typeface="微软雅黑" panose="020B0503020204020204" pitchFamily="34" charset="-122"/>
-                <a:ea typeface="微软雅黑" panose="020B0503020204020204" pitchFamily="34" charset="-122"/>
-              </a:rPr>
-              <a:t>（用户登录）</a:t>
-            </a:r>
-            <a:endParaRPr lang="en-US" altLang="zh-CN" sz="3200" dirty="0">
-              <a:solidFill>
-                <a:prstClr val="black"/>
-              </a:solidFill>
-              <a:latin typeface="微软雅黑" panose="020B0503020204020204" pitchFamily="34" charset="-122"/>
-              <a:ea typeface="微软雅黑" panose="020B0503020204020204" pitchFamily="34" charset="-122"/>
-            </a:endParaRPr>
-          </a:p>
-          <a:p>
-            <a:pPr defTabSz="914400"/>
-            <a:endParaRPr lang="en-US" altLang="zh-CN" dirty="0">
-              <a:solidFill>
-                <a:prstClr val="black"/>
-              </a:solidFill>
-              <a:latin typeface="Calibri Light" panose="020F0302020204030204"/>
-              <a:ea typeface="微软雅黑 Light" panose="020B0502040204020203" charset="-122"/>
-            </a:endParaRPr>
-          </a:p>
-          <a:p>
-            <a:pPr defTabSz="914400"/>
-            <a:r>
-              <a:rPr lang="zh-CN" altLang="en-US" sz="2135" dirty="0">
-                <a:solidFill>
-                  <a:prstClr val="black"/>
-                </a:solidFill>
-                <a:latin typeface="宋体" panose="02010600030101010101" pitchFamily="2" charset="-122"/>
-                <a:ea typeface="宋体" panose="02010600030101010101" pitchFamily="2" charset="-122"/>
-              </a:rPr>
-              <a:t>功能描述：负责用户的登录操作，用户输入用户名，输入对应的正确密码和校验即可成功登录，若输入错误则提示没有找到该用户，用户可进行注册跳转至注册页面；登录成功则可进入商城。</a:t>
-            </a:r>
-            <a:endParaRPr lang="en-US" altLang="zh-CN" sz="2135" dirty="0">
-              <a:solidFill>
-                <a:prstClr val="black"/>
-              </a:solidFill>
-              <a:latin typeface="宋体" panose="02010600030101010101" pitchFamily="2" charset="-122"/>
-              <a:ea typeface="宋体" panose="02010600030101010101" pitchFamily="2" charset="-122"/>
-            </a:endParaRPr>
-          </a:p>
-        </p:txBody>
-      </p:sp>
-      <p:pic>
-        <p:nvPicPr>
-          <p:cNvPr id="5" name="图片 4"/>
-          <p:cNvPicPr>
-            <a:picLocks noChangeAspect="1"/>
-          </p:cNvPicPr>
-          <p:nvPr/>
-        </p:nvPicPr>
-        <p:blipFill>
-          <a:blip r:embed="rId3"/>
-          <a:stretch>
-            <a:fillRect/>
-          </a:stretch>
-        </p:blipFill>
-        <p:spPr>
-          <a:xfrm>
-            <a:off x="3753851" y="2584479"/>
-            <a:ext cx="7844591" cy="3756015"/>
-          </a:xfrm>
-          <a:prstGeom prst="rect">
-            <a:avLst/>
-          </a:prstGeom>
-        </p:spPr>
-      </p:pic>
-    </p:spTree>
-  </p:cSld>
-  <p:clrMapOvr>
-    <a:masterClrMapping/>
-  </p:clrMapOvr>
-  <mc:AlternateContent xmlns:mc="http://schemas.openxmlformats.org/markup-compatibility/2006" xmlns:p14="http://schemas.microsoft.com/office/powerpoint/2010/main">
-    <mc:Choice Requires="p14">
-      <p:transition spd="med" p14:dur="700">
-        <p:fade/>
-      </p:transition>
-    </mc:Choice>
-    <mc:Fallback xmlns="">
-      <p:transition spd="med">
-        <p:fade/>
-      </p:transition>
-    </mc:Fallback>
-  </mc:AlternateContent>
-</p:sld>
-</file>
-
-<file path=ppt/slides/slide12.xml><?xml version="1.0" encoding="utf-8"?>
-<p:sld xmlns:a="http://schemas.openxmlformats.org/drawingml/2006/main" xmlns:r="http://schemas.openxmlformats.org/officeDocument/2006/relationships" xmlns:p="http://schemas.openxmlformats.org/presentationml/2006/main">
-  <p:cSld>
-    <p:spTree>
-      <p:nvGrpSpPr>
-        <p:cNvPr id="1" name=""/>
-        <p:cNvGrpSpPr/>
-        <p:nvPr/>
-      </p:nvGrpSpPr>
-      <p:grpSpPr>
-        <a:xfrm>
-          <a:off x="0" y="0"/>
-          <a:ext cx="0" cy="0"/>
-          <a:chOff x="0" y="0"/>
-          <a:chExt cx="0" cy="0"/>
-        </a:xfrm>
-      </p:grpSpPr>
-      <p:sp>
-        <p:nvSpPr>
-          <p:cNvPr id="4" name="矩形 3"/>
-          <p:cNvSpPr/>
-          <p:nvPr/>
-        </p:nvSpPr>
-        <p:spPr bwMode="auto">
-          <a:xfrm>
-            <a:off x="390050" y="240030"/>
-            <a:ext cx="5519460" cy="584775"/>
-          </a:xfrm>
-          <a:prstGeom prst="rect">
-            <a:avLst/>
-          </a:prstGeom>
-          <a:noFill/>
-        </p:spPr>
-        <p:txBody>
-          <a:bodyPr wrap="none">
-            <a:spAutoFit/>
-          </a:bodyPr>
-          <a:lstStyle/>
-          <a:p>
-            <a:pPr algn="ctr" defTabSz="914400">
-              <a:defRPr/>
-            </a:pPr>
-            <a:r>
-              <a:rPr lang="zh-CN" altLang="en-US" sz="3200" b="1" kern="100" dirty="0">
-                <a:solidFill>
-                  <a:srgbClr val="29323F"/>
-                </a:solidFill>
-                <a:latin typeface="微软雅黑" panose="020B0503020204020204" pitchFamily="34" charset="-122"/>
-                <a:ea typeface="微软雅黑" panose="020B0503020204020204" pitchFamily="34" charset="-122"/>
-                <a:cs typeface="Times New Roman" panose="02020603050405020304" pitchFamily="18" charset="0"/>
-              </a:rPr>
-              <a:t>第三部分：设计讲解（部分）</a:t>
+              <a:t>部分：设计讲解（部分）</a:t>
             </a:r>
           </a:p>
         </p:txBody>
@@ -8677,7 +7928,7 @@
 </p:sld>
 </file>
 
-<file path=ppt/slides/slide13.xml><?xml version="1.0" encoding="utf-8"?>
+<file path=ppt/slides/slide11.xml><?xml version="1.0" encoding="utf-8"?>
 <p:sld xmlns:a="http://schemas.openxmlformats.org/drawingml/2006/main" xmlns:r="http://schemas.openxmlformats.org/officeDocument/2006/relationships" xmlns:p="http://schemas.openxmlformats.org/presentationml/2006/main">
   <p:cSld>
     <p:spTree>
@@ -8728,7 +7979,35 @@
                 <a:ea typeface="微软雅黑" panose="020B0503020204020204" pitchFamily="34" charset="-122"/>
                 <a:cs typeface="Times New Roman" panose="02020603050405020304" pitchFamily="18" charset="0"/>
               </a:rPr>
-              <a:t>第三部分：设计讲解（部分）</a:t>
+              <a:t>第</a:t>
+            </a:r>
+            <a:r>
+              <a:rPr kumimoji="0" lang="zh-CN" altLang="en-US" sz="3200" b="1" i="0" u="none" strike="noStrike" kern="100" cap="none" spc="0" normalizeH="0" baseline="0" noProof="0" dirty="0">
+                <a:ln>
+                  <a:noFill/>
+                </a:ln>
+                <a:solidFill>
+                  <a:srgbClr val="29323F"/>
+                </a:solidFill>
+                <a:effectLst/>
+                <a:uLnTx/>
+                <a:uFillTx/>
+                <a:latin typeface="微软雅黑" panose="020B0503020204020204" pitchFamily="34" charset="-122"/>
+                <a:ea typeface="微软雅黑" panose="020B0503020204020204" pitchFamily="34" charset="-122"/>
+                <a:cs typeface="Times New Roman" panose="02020603050405020304" pitchFamily="18" charset="0"/>
+              </a:rPr>
+              <a:t>二</a:t>
+            </a:r>
+            <a:r>
+              <a:rPr lang="zh-CN" altLang="en-US" sz="3200" b="1" kern="100" dirty="0">
+                <a:solidFill>
+                  <a:srgbClr val="29323F"/>
+                </a:solidFill>
+                <a:latin typeface="微软雅黑" panose="020B0503020204020204" pitchFamily="34" charset="-122"/>
+                <a:ea typeface="微软雅黑" panose="020B0503020204020204" pitchFamily="34" charset="-122"/>
+                <a:cs typeface="Times New Roman" panose="02020603050405020304" pitchFamily="18" charset="0"/>
+              </a:rPr>
+              <a:t>部分：设计讲解（部分）</a:t>
             </a:r>
           </a:p>
         </p:txBody>
@@ -9010,7 +8289,7 @@
 </p:sld>
 </file>
 
-<file path=ppt/slides/slide14.xml><?xml version="1.0" encoding="utf-8"?>
+<file path=ppt/slides/slide12.xml><?xml version="1.0" encoding="utf-8"?>
 <p:sld xmlns:a="http://schemas.openxmlformats.org/drawingml/2006/main" xmlns:r="http://schemas.openxmlformats.org/officeDocument/2006/relationships" xmlns:p="http://schemas.openxmlformats.org/presentationml/2006/main">
   <p:cSld>
     <p:spTree>
@@ -9200,7 +8479,7 @@
 </p:sld>
 </file>
 
-<file path=ppt/slides/slide15.xml><?xml version="1.0" encoding="utf-8"?>
+<file path=ppt/slides/slide13.xml><?xml version="1.0" encoding="utf-8"?>
 <p:sld xmlns:a="http://schemas.openxmlformats.org/drawingml/2006/main" xmlns:r="http://schemas.openxmlformats.org/officeDocument/2006/relationships" xmlns:p="http://schemas.openxmlformats.org/presentationml/2006/main">
   <p:cSld>
     <p:spTree>
@@ -9251,7 +8530,35 @@
                 <a:ea typeface="微软雅黑" panose="020B0503020204020204" pitchFamily="34" charset="-122"/>
                 <a:cs typeface="Times New Roman" panose="02020603050405020304" pitchFamily="18" charset="0"/>
               </a:rPr>
-              <a:t>第三部分：设计讲解（部分）</a:t>
+              <a:t>第</a:t>
+            </a:r>
+            <a:r>
+              <a:rPr kumimoji="0" lang="zh-CN" altLang="en-US" sz="3200" b="1" i="0" u="none" strike="noStrike" kern="100" cap="none" spc="0" normalizeH="0" baseline="0" noProof="0" dirty="0">
+                <a:ln>
+                  <a:noFill/>
+                </a:ln>
+                <a:solidFill>
+                  <a:srgbClr val="29323F"/>
+                </a:solidFill>
+                <a:effectLst/>
+                <a:uLnTx/>
+                <a:uFillTx/>
+                <a:latin typeface="微软雅黑" panose="020B0503020204020204" pitchFamily="34" charset="-122"/>
+                <a:ea typeface="微软雅黑" panose="020B0503020204020204" pitchFamily="34" charset="-122"/>
+                <a:cs typeface="Times New Roman" panose="02020603050405020304" pitchFamily="18" charset="0"/>
+              </a:rPr>
+              <a:t>二</a:t>
+            </a:r>
+            <a:r>
+              <a:rPr lang="zh-CN" altLang="en-US" sz="3200" b="1" kern="100" dirty="0">
+                <a:solidFill>
+                  <a:srgbClr val="29323F"/>
+                </a:solidFill>
+                <a:latin typeface="微软雅黑" panose="020B0503020204020204" pitchFamily="34" charset="-122"/>
+                <a:ea typeface="微软雅黑" panose="020B0503020204020204" pitchFamily="34" charset="-122"/>
+                <a:cs typeface="Times New Roman" panose="02020603050405020304" pitchFamily="18" charset="0"/>
+              </a:rPr>
+              <a:t>部分：设计讲解（部分）</a:t>
             </a:r>
           </a:p>
         </p:txBody>
@@ -9394,7 +8701,7 @@
 </p:sld>
 </file>
 
-<file path=ppt/slides/slide16.xml><?xml version="1.0" encoding="utf-8"?>
+<file path=ppt/slides/slide14.xml><?xml version="1.0" encoding="utf-8"?>
 <p:sld xmlns:a="http://schemas.openxmlformats.org/drawingml/2006/main" xmlns:r="http://schemas.openxmlformats.org/officeDocument/2006/relationships" xmlns:p="http://schemas.openxmlformats.org/presentationml/2006/main">
   <p:cSld>
     <p:spTree>
@@ -9445,7 +8752,35 @@
                 <a:ea typeface="微软雅黑" panose="020B0503020204020204" pitchFamily="34" charset="-122"/>
                 <a:cs typeface="Times New Roman" panose="02020603050405020304" pitchFamily="18" charset="0"/>
               </a:rPr>
-              <a:t>第三部分：设计讲解（部分）</a:t>
+              <a:t>第</a:t>
+            </a:r>
+            <a:r>
+              <a:rPr kumimoji="0" lang="zh-CN" altLang="en-US" sz="3200" b="1" i="0" u="none" strike="noStrike" kern="100" cap="none" spc="0" normalizeH="0" baseline="0" noProof="0" dirty="0">
+                <a:ln>
+                  <a:noFill/>
+                </a:ln>
+                <a:solidFill>
+                  <a:srgbClr val="29323F"/>
+                </a:solidFill>
+                <a:effectLst/>
+                <a:uLnTx/>
+                <a:uFillTx/>
+                <a:latin typeface="微软雅黑" panose="020B0503020204020204" pitchFamily="34" charset="-122"/>
+                <a:ea typeface="微软雅黑" panose="020B0503020204020204" pitchFamily="34" charset="-122"/>
+                <a:cs typeface="Times New Roman" panose="02020603050405020304" pitchFamily="18" charset="0"/>
+              </a:rPr>
+              <a:t>二</a:t>
+            </a:r>
+            <a:r>
+              <a:rPr lang="zh-CN" altLang="en-US" sz="3200" b="1" kern="100" dirty="0">
+                <a:solidFill>
+                  <a:srgbClr val="29323F"/>
+                </a:solidFill>
+                <a:latin typeface="微软雅黑" panose="020B0503020204020204" pitchFamily="34" charset="-122"/>
+                <a:ea typeface="微软雅黑" panose="020B0503020204020204" pitchFamily="34" charset="-122"/>
+                <a:cs typeface="Times New Roman" panose="02020603050405020304" pitchFamily="18" charset="0"/>
+              </a:rPr>
+              <a:t>部分：设计讲解（部分）</a:t>
             </a:r>
           </a:p>
         </p:txBody>
@@ -9577,7 +8912,7 @@
 </p:sld>
 </file>
 
-<file path=ppt/slides/slide17.xml><?xml version="1.0" encoding="utf-8"?>
+<file path=ppt/slides/slide15.xml><?xml version="1.0" encoding="utf-8"?>
 <p:sld xmlns:a="http://schemas.openxmlformats.org/drawingml/2006/main" xmlns:r="http://schemas.openxmlformats.org/officeDocument/2006/relationships" xmlns:p="http://schemas.openxmlformats.org/presentationml/2006/main">
   <p:cSld>
     <p:spTree>
@@ -9687,8 +9022,8 @@
         </p:nvSpPr>
         <p:spPr bwMode="auto">
           <a:xfrm>
-            <a:off x="390051" y="240030"/>
-            <a:ext cx="5519460" cy="584775"/>
+            <a:off x="416500" y="240030"/>
+            <a:ext cx="5466561" cy="584775"/>
           </a:xfrm>
           <a:prstGeom prst="rect">
             <a:avLst/>
@@ -9732,716 +9067,7 @@
                 <a:ea typeface="微软雅黑" panose="020B0503020204020204" pitchFamily="34" charset="-122"/>
                 <a:cs typeface="Times New Roman" panose="02020603050405020304" pitchFamily="18" charset="0"/>
               </a:rPr>
-              <a:t>第一部分：项目分工（部分）</a:t>
-            </a:r>
-          </a:p>
-        </p:txBody>
-      </p:sp>
-      <p:sp>
-        <p:nvSpPr>
-          <p:cNvPr id="2" name="文本框 1"/>
-          <p:cNvSpPr txBox="1"/>
-          <p:nvPr/>
-        </p:nvSpPr>
-        <p:spPr>
-          <a:xfrm>
-            <a:off x="1002631" y="1551563"/>
-            <a:ext cx="10186737" cy="3262432"/>
-          </a:xfrm>
-          <a:prstGeom prst="rect">
-            <a:avLst/>
-          </a:prstGeom>
-          <a:noFill/>
-        </p:spPr>
-        <p:txBody>
-          <a:bodyPr wrap="square" rtlCol="0">
-            <a:spAutoFit/>
-          </a:bodyPr>
-          <a:lstStyle/>
-          <a:p>
-            <a:pPr marL="0" marR="0" lvl="0" indent="0" algn="l" defTabSz="914400" rtl="0" eaLnBrk="1" fontAlgn="auto" latinLnBrk="0" hangingPunct="1">
-              <a:lnSpc>
-                <a:spcPct val="100000"/>
-              </a:lnSpc>
-              <a:spcBef>
-                <a:spcPts val="0"/>
-              </a:spcBef>
-              <a:spcAft>
-                <a:spcPts val="0"/>
-              </a:spcAft>
-              <a:buClrTx/>
-              <a:buSzTx/>
-              <a:buFontTx/>
-              <a:buNone/>
-              <a:defRPr/>
-            </a:pPr>
-            <a:r>
-              <a:rPr kumimoji="0" lang="zh-CN" altLang="en-US" sz="3200" b="0" i="0" u="none" strike="noStrike" kern="1200" cap="none" spc="0" normalizeH="0" baseline="0" noProof="0" dirty="0">
-                <a:ln>
-                  <a:noFill/>
-                </a:ln>
-                <a:solidFill>
-                  <a:prstClr val="black"/>
-                </a:solidFill>
-                <a:effectLst/>
-                <a:uLnTx/>
-                <a:uFillTx/>
-                <a:latin typeface="微软雅黑" panose="020B0503020204020204" pitchFamily="34" charset="-122"/>
-                <a:ea typeface="微软雅黑" panose="020B0503020204020204" pitchFamily="34" charset="-122"/>
-                <a:cs typeface="+mn-cs"/>
-              </a:rPr>
-              <a:t>项目成员</a:t>
-            </a:r>
-            <a:r>
-              <a:rPr lang="zh-CN" altLang="en-US" sz="3200" dirty="0">
-                <a:solidFill>
-                  <a:prstClr val="black"/>
-                </a:solidFill>
-                <a:latin typeface="微软雅黑" panose="020B0503020204020204" pitchFamily="34" charset="-122"/>
-                <a:ea typeface="微软雅黑" panose="020B0503020204020204" pitchFamily="34" charset="-122"/>
-              </a:rPr>
-              <a:t>：</a:t>
-            </a:r>
-            <a:endParaRPr lang="en-US" altLang="zh-CN" sz="3200" dirty="0">
-              <a:solidFill>
-                <a:prstClr val="black"/>
-              </a:solidFill>
-              <a:latin typeface="微软雅黑" panose="020B0503020204020204" pitchFamily="34" charset="-122"/>
-              <a:ea typeface="微软雅黑" panose="020B0503020204020204" pitchFamily="34" charset="-122"/>
-            </a:endParaRPr>
-          </a:p>
-          <a:p>
-            <a:pPr marL="0" marR="0" lvl="0" indent="0" algn="l" defTabSz="914400" rtl="0" eaLnBrk="1" fontAlgn="auto" latinLnBrk="0" hangingPunct="1">
-              <a:lnSpc>
-                <a:spcPct val="100000"/>
-              </a:lnSpc>
-              <a:spcBef>
-                <a:spcPts val="0"/>
-              </a:spcBef>
-              <a:spcAft>
-                <a:spcPts val="0"/>
-              </a:spcAft>
-              <a:buClrTx/>
-              <a:buSzTx/>
-              <a:buFontTx/>
-              <a:buNone/>
-              <a:defRPr/>
-            </a:pPr>
-            <a:endParaRPr lang="en-US" altLang="zh-CN" sz="3200" dirty="0">
-              <a:solidFill>
-                <a:prstClr val="black"/>
-              </a:solidFill>
-              <a:latin typeface="微软雅黑" panose="020B0503020204020204" pitchFamily="34" charset="-122"/>
-              <a:ea typeface="微软雅黑" panose="020B0503020204020204" pitchFamily="34" charset="-122"/>
-            </a:endParaRPr>
-          </a:p>
-          <a:p>
-            <a:pPr marL="0" marR="0" lvl="0" indent="0" algn="l" defTabSz="914400" rtl="0" eaLnBrk="1" fontAlgn="auto" latinLnBrk="0" hangingPunct="1">
-              <a:lnSpc>
-                <a:spcPct val="100000"/>
-              </a:lnSpc>
-              <a:spcBef>
-                <a:spcPts val="0"/>
-              </a:spcBef>
-              <a:spcAft>
-                <a:spcPts val="0"/>
-              </a:spcAft>
-              <a:buClrTx/>
-              <a:buSzTx/>
-              <a:buFontTx/>
-              <a:buNone/>
-              <a:defRPr/>
-            </a:pPr>
-            <a:r>
-              <a:rPr kumimoji="0" lang="en-US" altLang="zh-CN" sz="3200" b="0" i="0" u="none" strike="noStrike" kern="1200" cap="none" spc="0" normalizeH="0" baseline="0" noProof="0" dirty="0">
-                <a:ln>
-                  <a:noFill/>
-                </a:ln>
-                <a:solidFill>
-                  <a:prstClr val="black"/>
-                </a:solidFill>
-                <a:effectLst/>
-                <a:uLnTx/>
-                <a:uFillTx/>
-                <a:latin typeface="微软雅黑" panose="020B0503020204020204" pitchFamily="34" charset="-122"/>
-                <a:ea typeface="微软雅黑" panose="020B0503020204020204" pitchFamily="34" charset="-122"/>
-                <a:cs typeface="+mn-cs"/>
-              </a:rPr>
-              <a:t>	</a:t>
-            </a:r>
-            <a:r>
-              <a:rPr kumimoji="0" lang="zh-CN" altLang="en-US" sz="3200" b="0" i="0" u="none" strike="noStrike" kern="1200" cap="none" spc="0" normalizeH="0" baseline="0" noProof="0" dirty="0">
-                <a:ln>
-                  <a:noFill/>
-                </a:ln>
-                <a:solidFill>
-                  <a:prstClr val="black"/>
-                </a:solidFill>
-                <a:effectLst/>
-                <a:uLnTx/>
-                <a:uFillTx/>
-                <a:latin typeface="微软雅黑" panose="020B0503020204020204" pitchFamily="34" charset="-122"/>
-                <a:ea typeface="微软雅黑" panose="020B0503020204020204" pitchFamily="34" charset="-122"/>
-                <a:cs typeface="+mn-cs"/>
-              </a:rPr>
-              <a:t>组长：</a:t>
-            </a:r>
-            <a:r>
-              <a:rPr kumimoji="0" lang="zh-CN" altLang="en-US" sz="2400" b="0" i="0" u="none" strike="noStrike" kern="1200" cap="none" spc="0" normalizeH="0" baseline="0" noProof="0" dirty="0">
-                <a:ln>
-                  <a:noFill/>
-                </a:ln>
-                <a:solidFill>
-                  <a:prstClr val="black"/>
-                </a:solidFill>
-                <a:effectLst/>
-                <a:uLnTx/>
-                <a:uFillTx/>
-                <a:latin typeface="微软雅黑" panose="020B0503020204020204" pitchFamily="34" charset="-122"/>
-                <a:ea typeface="微软雅黑" panose="020B0503020204020204" pitchFamily="34" charset="-122"/>
-                <a:cs typeface="+mn-cs"/>
-              </a:rPr>
-              <a:t>张雨     学号：</a:t>
-            </a:r>
-            <a:r>
-              <a:rPr kumimoji="0" lang="en-US" altLang="zh-CN" sz="2400" b="0" i="0" u="none" strike="noStrike" kern="1200" cap="none" spc="0" normalizeH="0" baseline="0" noProof="0" dirty="0">
-                <a:ln>
-                  <a:noFill/>
-                </a:ln>
-                <a:solidFill>
-                  <a:prstClr val="black"/>
-                </a:solidFill>
-                <a:effectLst/>
-                <a:uLnTx/>
-                <a:uFillTx/>
-                <a:latin typeface="微软雅黑" panose="020B0503020204020204" pitchFamily="34" charset="-122"/>
-                <a:ea typeface="微软雅黑" panose="020B0503020204020204" pitchFamily="34" charset="-122"/>
-                <a:cs typeface="+mn-cs"/>
-              </a:rPr>
-              <a:t>20177710247</a:t>
-            </a:r>
-            <a:endParaRPr lang="en-US" altLang="zh-CN" sz="2800" dirty="0">
-              <a:solidFill>
-                <a:prstClr val="black"/>
-              </a:solidFill>
-              <a:latin typeface="微软雅黑" panose="020B0503020204020204" pitchFamily="34" charset="-122"/>
-              <a:ea typeface="微软雅黑" panose="020B0503020204020204" pitchFamily="34" charset="-122"/>
-            </a:endParaRPr>
-          </a:p>
-          <a:p>
-            <a:pPr marL="0" marR="0" lvl="0" indent="0" algn="l" defTabSz="914400" rtl="0" eaLnBrk="1" fontAlgn="auto" latinLnBrk="0" hangingPunct="1">
-              <a:lnSpc>
-                <a:spcPct val="100000"/>
-              </a:lnSpc>
-              <a:spcBef>
-                <a:spcPts val="0"/>
-              </a:spcBef>
-              <a:spcAft>
-                <a:spcPts val="0"/>
-              </a:spcAft>
-              <a:buClrTx/>
-              <a:buSzTx/>
-              <a:buFontTx/>
-              <a:buNone/>
-              <a:defRPr/>
-            </a:pPr>
-            <a:endParaRPr kumimoji="0" lang="en-US" altLang="zh-CN" sz="2800" b="0" i="0" u="none" strike="noStrike" kern="1200" cap="none" spc="0" normalizeH="0" baseline="0" noProof="0" dirty="0">
-              <a:ln>
-                <a:noFill/>
-              </a:ln>
-              <a:solidFill>
-                <a:prstClr val="black"/>
-              </a:solidFill>
-              <a:effectLst/>
-              <a:uLnTx/>
-              <a:uFillTx/>
-              <a:latin typeface="微软雅黑" panose="020B0503020204020204" pitchFamily="34" charset="-122"/>
-              <a:ea typeface="微软雅黑" panose="020B0503020204020204" pitchFamily="34" charset="-122"/>
-              <a:cs typeface="+mn-cs"/>
-            </a:endParaRPr>
-          </a:p>
-          <a:p>
-            <a:pPr marL="0" marR="0" lvl="0" indent="0" algn="l" defTabSz="914400" rtl="0" eaLnBrk="1" fontAlgn="auto" latinLnBrk="0" hangingPunct="1">
-              <a:lnSpc>
-                <a:spcPct val="100000"/>
-              </a:lnSpc>
-              <a:spcBef>
-                <a:spcPts val="0"/>
-              </a:spcBef>
-              <a:spcAft>
-                <a:spcPts val="0"/>
-              </a:spcAft>
-              <a:buClrTx/>
-              <a:buSzTx/>
-              <a:buFontTx/>
-              <a:buNone/>
-              <a:defRPr/>
-            </a:pPr>
-            <a:r>
-              <a:rPr lang="en-US" altLang="zh-CN" sz="3200" dirty="0">
-                <a:solidFill>
-                  <a:prstClr val="black"/>
-                </a:solidFill>
-                <a:latin typeface="微软雅黑" panose="020B0503020204020204" pitchFamily="34" charset="-122"/>
-                <a:ea typeface="微软雅黑" panose="020B0503020204020204" pitchFamily="34" charset="-122"/>
-              </a:rPr>
-              <a:t>	</a:t>
-            </a:r>
-            <a:r>
-              <a:rPr lang="zh-CN" altLang="en-US" sz="3200" dirty="0">
-                <a:solidFill>
-                  <a:prstClr val="black"/>
-                </a:solidFill>
-                <a:latin typeface="微软雅黑" panose="020B0503020204020204" pitchFamily="34" charset="-122"/>
-                <a:ea typeface="微软雅黑" panose="020B0503020204020204" pitchFamily="34" charset="-122"/>
-              </a:rPr>
-              <a:t>组员：</a:t>
-            </a:r>
-            <a:r>
-              <a:rPr lang="zh-CN" altLang="en-US" sz="2400" dirty="0">
-                <a:solidFill>
-                  <a:prstClr val="black"/>
-                </a:solidFill>
-                <a:latin typeface="微软雅黑" panose="020B0503020204020204" pitchFamily="34" charset="-122"/>
-                <a:ea typeface="微软雅黑" panose="020B0503020204020204" pitchFamily="34" charset="-122"/>
-              </a:rPr>
-              <a:t>张瑞恒    学号：</a:t>
-            </a:r>
-            <a:r>
-              <a:rPr lang="en-US" altLang="zh-CN" sz="2400" dirty="0">
-                <a:solidFill>
-                  <a:prstClr val="black"/>
-                </a:solidFill>
-                <a:latin typeface="微软雅黑" panose="020B0503020204020204" pitchFamily="34" charset="-122"/>
-                <a:ea typeface="微软雅黑" panose="020B0503020204020204" pitchFamily="34" charset="-122"/>
-              </a:rPr>
-              <a:t>20177710245</a:t>
-            </a:r>
-          </a:p>
-          <a:p>
-            <a:pPr marL="0" marR="0" lvl="0" indent="0" algn="l" defTabSz="914400" rtl="0" eaLnBrk="1" fontAlgn="auto" latinLnBrk="0" hangingPunct="1">
-              <a:lnSpc>
-                <a:spcPct val="100000"/>
-              </a:lnSpc>
-              <a:spcBef>
-                <a:spcPts val="0"/>
-              </a:spcBef>
-              <a:spcAft>
-                <a:spcPts val="0"/>
-              </a:spcAft>
-              <a:buClrTx/>
-              <a:buSzTx/>
-              <a:buFontTx/>
-              <a:buNone/>
-              <a:defRPr/>
-            </a:pPr>
-            <a:r>
-              <a:rPr kumimoji="0" lang="en-US" altLang="zh-CN" sz="3200" b="0" i="0" u="none" strike="noStrike" kern="1200" cap="none" spc="0" normalizeH="0" baseline="0" noProof="0" dirty="0">
-                <a:ln>
-                  <a:noFill/>
-                </a:ln>
-                <a:solidFill>
-                  <a:prstClr val="black"/>
-                </a:solidFill>
-                <a:effectLst/>
-                <a:uLnTx/>
-                <a:uFillTx/>
-                <a:latin typeface="微软雅黑" panose="020B0503020204020204" pitchFamily="34" charset="-122"/>
-                <a:ea typeface="微软雅黑" panose="020B0503020204020204" pitchFamily="34" charset="-122"/>
-                <a:cs typeface="+mn-cs"/>
-              </a:rPr>
-              <a:t>		</a:t>
-            </a:r>
-            <a:r>
-              <a:rPr lang="en-US" altLang="zh-CN" sz="3200" dirty="0">
-                <a:solidFill>
-                  <a:prstClr val="black"/>
-                </a:solidFill>
-                <a:latin typeface="微软雅黑" panose="020B0503020204020204" pitchFamily="34" charset="-122"/>
-                <a:ea typeface="微软雅黑" panose="020B0503020204020204" pitchFamily="34" charset="-122"/>
-              </a:rPr>
-              <a:t>  </a:t>
-            </a:r>
-            <a:r>
-              <a:rPr lang="zh-CN" altLang="en-US" sz="2400" dirty="0">
-                <a:solidFill>
-                  <a:prstClr val="black"/>
-                </a:solidFill>
-                <a:latin typeface="微软雅黑" panose="020B0503020204020204" pitchFamily="34" charset="-122"/>
-                <a:ea typeface="微软雅黑" panose="020B0503020204020204" pitchFamily="34" charset="-122"/>
-              </a:rPr>
-              <a:t>赵景昊    学号：</a:t>
-            </a:r>
-            <a:r>
-              <a:rPr lang="en-US" altLang="zh-CN" sz="2400" dirty="0">
-                <a:solidFill>
-                  <a:prstClr val="black"/>
-                </a:solidFill>
-                <a:latin typeface="微软雅黑" panose="020B0503020204020204" pitchFamily="34" charset="-122"/>
-                <a:ea typeface="微软雅黑" panose="020B0503020204020204" pitchFamily="34" charset="-122"/>
-              </a:rPr>
-              <a:t>20177710249</a:t>
-            </a:r>
-            <a:endParaRPr kumimoji="0" lang="en-US" altLang="zh-CN" sz="2400" b="0" i="0" u="none" strike="noStrike" kern="1200" cap="none" spc="0" normalizeH="0" baseline="0" noProof="0" dirty="0">
-              <a:ln>
-                <a:noFill/>
-              </a:ln>
-              <a:solidFill>
-                <a:prstClr val="black"/>
-              </a:solidFill>
-              <a:effectLst/>
-              <a:uLnTx/>
-              <a:uFillTx/>
-              <a:latin typeface="微软雅黑" panose="020B0503020204020204" pitchFamily="34" charset="-122"/>
-              <a:ea typeface="微软雅黑" panose="020B0503020204020204" pitchFamily="34" charset="-122"/>
-              <a:cs typeface="+mn-cs"/>
-            </a:endParaRPr>
-          </a:p>
-          <a:p>
-            <a:pPr marL="0" marR="0" lvl="0" indent="0" algn="l" defTabSz="914400" rtl="0" eaLnBrk="1" fontAlgn="auto" latinLnBrk="0" hangingPunct="1">
-              <a:lnSpc>
-                <a:spcPct val="100000"/>
-              </a:lnSpc>
-              <a:spcBef>
-                <a:spcPts val="0"/>
-              </a:spcBef>
-              <a:spcAft>
-                <a:spcPts val="0"/>
-              </a:spcAft>
-              <a:buClrTx/>
-              <a:buSzTx/>
-              <a:buFontTx/>
-              <a:buNone/>
-              <a:defRPr/>
-            </a:pPr>
-            <a:endParaRPr kumimoji="0" lang="en-US" altLang="zh-CN" sz="1800" b="0" i="0" u="none" strike="noStrike" kern="1200" cap="none" spc="0" normalizeH="0" baseline="0" noProof="0" dirty="0">
-              <a:ln>
-                <a:noFill/>
-              </a:ln>
-              <a:solidFill>
-                <a:prstClr val="black"/>
-              </a:solidFill>
-              <a:effectLst/>
-              <a:uLnTx/>
-              <a:uFillTx/>
-              <a:latin typeface="Calibri Light" panose="020F0302020204030204"/>
-              <a:ea typeface="微软雅黑 Light" panose="020B0502040204020203" charset="-122"/>
-              <a:cs typeface="+mn-cs"/>
-            </a:endParaRPr>
-          </a:p>
-        </p:txBody>
-      </p:sp>
-    </p:spTree>
-  </p:cSld>
-  <p:clrMapOvr>
-    <a:masterClrMapping/>
-  </p:clrMapOvr>
-  <mc:AlternateContent xmlns:mc="http://schemas.openxmlformats.org/markup-compatibility/2006" xmlns:p14="http://schemas.microsoft.com/office/powerpoint/2010/main">
-    <mc:Choice Requires="p14">
-      <p:transition spd="med" p14:dur="700">
-        <p:fade/>
-      </p:transition>
-    </mc:Choice>
-    <mc:Fallback xmlns="">
-      <p:transition spd="med">
-        <p:fade/>
-      </p:transition>
-    </mc:Fallback>
-  </mc:AlternateContent>
-</p:sld>
-</file>
-
-<file path=ppt/slides/slide3.xml><?xml version="1.0" encoding="utf-8"?>
-<p:sld xmlns:a="http://schemas.openxmlformats.org/drawingml/2006/main" xmlns:r="http://schemas.openxmlformats.org/officeDocument/2006/relationships" xmlns:p="http://schemas.openxmlformats.org/presentationml/2006/main">
-  <p:cSld>
-    <p:spTree>
-      <p:nvGrpSpPr>
-        <p:cNvPr id="1" name=""/>
-        <p:cNvGrpSpPr/>
-        <p:nvPr/>
-      </p:nvGrpSpPr>
-      <p:grpSpPr>
-        <a:xfrm>
-          <a:off x="0" y="0"/>
-          <a:ext cx="0" cy="0"/>
-          <a:chOff x="0" y="0"/>
-          <a:chExt cx="0" cy="0"/>
-        </a:xfrm>
-      </p:grpSpPr>
-      <p:sp>
-        <p:nvSpPr>
-          <p:cNvPr id="4" name="矩形 3"/>
-          <p:cNvSpPr/>
-          <p:nvPr/>
-        </p:nvSpPr>
-        <p:spPr bwMode="auto">
-          <a:xfrm>
-            <a:off x="390051" y="240030"/>
-            <a:ext cx="5519460" cy="584775"/>
-          </a:xfrm>
-          <a:prstGeom prst="rect">
-            <a:avLst/>
-          </a:prstGeom>
-          <a:noFill/>
-        </p:spPr>
-        <p:txBody>
-          <a:bodyPr wrap="none">
-            <a:spAutoFit/>
-          </a:bodyPr>
-          <a:lstStyle/>
-          <a:p>
-            <a:pPr marL="0" marR="0" lvl="0" indent="0" algn="ctr" defTabSz="914400" rtl="0" eaLnBrk="1" fontAlgn="auto" latinLnBrk="0" hangingPunct="1">
-              <a:lnSpc>
-                <a:spcPct val="100000"/>
-              </a:lnSpc>
-              <a:spcBef>
-                <a:spcPts val="0"/>
-              </a:spcBef>
-              <a:spcAft>
-                <a:spcPts val="0"/>
-              </a:spcAft>
-              <a:buClrTx/>
-              <a:buSzTx/>
-              <a:buFontTx/>
-              <a:buNone/>
-              <a:defRPr/>
-            </a:pPr>
-            <a:r>
-              <a:rPr kumimoji="0" lang="zh-CN" altLang="en-US" sz="3200" b="1" i="0" u="none" strike="noStrike" kern="100" cap="none" spc="0" normalizeH="0" baseline="0" noProof="0" dirty="0">
-                <a:ln>
-                  <a:noFill/>
-                </a:ln>
-                <a:solidFill>
-                  <a:srgbClr val="29323F"/>
-                </a:solidFill>
-                <a:effectLst/>
-                <a:uLnTx/>
-                <a:uFillTx/>
-                <a:latin typeface="微软雅黑" panose="020B0503020204020204" pitchFamily="34" charset="-122"/>
-                <a:ea typeface="微软雅黑" panose="020B0503020204020204" pitchFamily="34" charset="-122"/>
-                <a:cs typeface="Times New Roman" panose="02020603050405020304" pitchFamily="18" charset="0"/>
-              </a:rPr>
-              <a:t>第一部分：项目分工（部分）</a:t>
-            </a:r>
-          </a:p>
-        </p:txBody>
-      </p:sp>
-      <p:sp>
-        <p:nvSpPr>
-          <p:cNvPr id="2" name="文本框 1"/>
-          <p:cNvSpPr txBox="1"/>
-          <p:nvPr/>
-        </p:nvSpPr>
-        <p:spPr>
-          <a:xfrm>
-            <a:off x="390051" y="1767006"/>
-            <a:ext cx="11456509" cy="3323987"/>
-          </a:xfrm>
-          <a:prstGeom prst="rect">
-            <a:avLst/>
-          </a:prstGeom>
-          <a:noFill/>
-        </p:spPr>
-        <p:txBody>
-          <a:bodyPr wrap="square" rtlCol="0">
-            <a:spAutoFit/>
-          </a:bodyPr>
-          <a:lstStyle/>
-          <a:p>
-            <a:r>
-              <a:rPr lang="zh-CN" altLang="en-US" sz="3200" dirty="0"/>
-              <a:t>我们将我们的项目工作分为五部分：</a:t>
-            </a:r>
-            <a:endParaRPr lang="en-US" altLang="zh-CN" sz="3200" dirty="0"/>
-          </a:p>
-          <a:p>
-            <a:r>
-              <a:rPr lang="en-US" altLang="zh-CN" sz="3200" dirty="0"/>
-              <a:t>1</a:t>
-            </a:r>
-            <a:r>
-              <a:rPr lang="zh-CN" altLang="en-US" sz="3200" dirty="0"/>
-              <a:t>、网站首页展示、商品信息页展示、查看购物车（张雨）</a:t>
-            </a:r>
-            <a:endParaRPr lang="en-US" altLang="zh-CN" sz="3200" dirty="0"/>
-          </a:p>
-          <a:p>
-            <a:r>
-              <a:rPr lang="en-US" altLang="zh-CN" sz="3200" dirty="0"/>
-              <a:t>2</a:t>
-            </a:r>
-            <a:r>
-              <a:rPr lang="zh-CN" altLang="en-US" sz="3200" dirty="0"/>
-              <a:t>、用户登录、注册以及账户冻结（张瑞恒）</a:t>
-            </a:r>
-            <a:endParaRPr lang="en-US" altLang="zh-CN" sz="3200" dirty="0"/>
-          </a:p>
-          <a:p>
-            <a:r>
-              <a:rPr lang="en-US" altLang="zh-CN" sz="3200" dirty="0"/>
-              <a:t>3</a:t>
-            </a:r>
-            <a:r>
-              <a:rPr lang="zh-CN" altLang="en-US" sz="3200" dirty="0"/>
-              <a:t>、管理员添加商品、管理用户提交的订单状态（赵景昊）</a:t>
-            </a:r>
-            <a:endParaRPr lang="en-US" altLang="zh-CN" sz="3200" dirty="0"/>
-          </a:p>
-          <a:p>
-            <a:r>
-              <a:rPr lang="en-US" altLang="zh-CN" sz="3200" dirty="0"/>
-              <a:t>4</a:t>
-            </a:r>
-            <a:r>
-              <a:rPr lang="zh-CN" altLang="en-US" sz="3200" dirty="0"/>
-              <a:t>、数据库设计、创建与测试，</a:t>
-            </a:r>
-            <a:r>
-              <a:rPr lang="en-US" altLang="zh-CN" sz="3200" dirty="0"/>
-              <a:t>DAO</a:t>
-            </a:r>
-            <a:r>
-              <a:rPr lang="zh-CN" altLang="en-US" sz="3200" dirty="0"/>
-              <a:t>模式总体设计（共同完成）</a:t>
-            </a:r>
-            <a:endParaRPr lang="en-US" altLang="zh-CN" sz="3200" dirty="0"/>
-          </a:p>
-          <a:p>
-            <a:r>
-              <a:rPr lang="en-US" altLang="zh-CN" sz="3200" dirty="0"/>
-              <a:t>5</a:t>
-            </a:r>
-            <a:r>
-              <a:rPr lang="zh-CN" altLang="en-US" sz="3200" dirty="0"/>
-              <a:t>、系统模块结构划分（张雨）</a:t>
-            </a:r>
-            <a:endParaRPr lang="en-US" altLang="zh-CN" sz="3200" dirty="0"/>
-          </a:p>
-          <a:p>
-            <a:pPr marL="0" marR="0" lvl="0" indent="0" algn="l" defTabSz="914400" rtl="0" eaLnBrk="1" fontAlgn="auto" latinLnBrk="0" hangingPunct="1">
-              <a:lnSpc>
-                <a:spcPct val="100000"/>
-              </a:lnSpc>
-              <a:spcBef>
-                <a:spcPts val="0"/>
-              </a:spcBef>
-              <a:spcAft>
-                <a:spcPts val="0"/>
-              </a:spcAft>
-              <a:buClrTx/>
-              <a:buSzTx/>
-              <a:buFontTx/>
-              <a:buNone/>
-              <a:defRPr/>
-            </a:pPr>
-            <a:endParaRPr kumimoji="0" lang="en-US" altLang="zh-CN" sz="1800" b="0" i="0" u="none" strike="noStrike" kern="1200" cap="none" spc="0" normalizeH="0" baseline="0" noProof="0" dirty="0">
-              <a:ln>
-                <a:noFill/>
-              </a:ln>
-              <a:solidFill>
-                <a:prstClr val="black"/>
-              </a:solidFill>
-              <a:effectLst/>
-              <a:uLnTx/>
-              <a:uFillTx/>
-              <a:latin typeface="Calibri Light" panose="020F0302020204030204"/>
-              <a:ea typeface="微软雅黑 Light" panose="020B0502040204020203" charset="-122"/>
-              <a:cs typeface="+mn-cs"/>
-            </a:endParaRPr>
-          </a:p>
-        </p:txBody>
-      </p:sp>
-    </p:spTree>
-  </p:cSld>
-  <p:clrMapOvr>
-    <a:masterClrMapping/>
-  </p:clrMapOvr>
-  <mc:AlternateContent xmlns:mc="http://schemas.openxmlformats.org/markup-compatibility/2006" xmlns:p14="http://schemas.microsoft.com/office/powerpoint/2010/main">
-    <mc:Choice Requires="p14">
-      <p:transition spd="med" p14:dur="700">
-        <p:fade/>
-      </p:transition>
-    </mc:Choice>
-    <mc:Fallback xmlns="">
-      <p:transition spd="med">
-        <p:fade/>
-      </p:transition>
-    </mc:Fallback>
-  </mc:AlternateContent>
-</p:sld>
-</file>
-
-<file path=ppt/slides/slide4.xml><?xml version="1.0" encoding="utf-8"?>
-<p:sld xmlns:a="http://schemas.openxmlformats.org/drawingml/2006/main" xmlns:r="http://schemas.openxmlformats.org/officeDocument/2006/relationships" xmlns:p="http://schemas.openxmlformats.org/presentationml/2006/main">
-  <p:cSld>
-    <p:spTree>
-      <p:nvGrpSpPr>
-        <p:cNvPr id="1" name=""/>
-        <p:cNvGrpSpPr/>
-        <p:nvPr/>
-      </p:nvGrpSpPr>
-      <p:grpSpPr>
-        <a:xfrm>
-          <a:off x="0" y="0"/>
-          <a:ext cx="0" cy="0"/>
-          <a:chOff x="0" y="0"/>
-          <a:chExt cx="0" cy="0"/>
-        </a:xfrm>
-      </p:grpSpPr>
-      <p:sp>
-        <p:nvSpPr>
-          <p:cNvPr id="4" name="矩形 3"/>
-          <p:cNvSpPr/>
-          <p:nvPr/>
-        </p:nvSpPr>
-        <p:spPr bwMode="auto">
-          <a:xfrm>
-            <a:off x="390051" y="240030"/>
-            <a:ext cx="5519460" cy="584775"/>
-          </a:xfrm>
-          <a:prstGeom prst="rect">
-            <a:avLst/>
-          </a:prstGeom>
-          <a:noFill/>
-        </p:spPr>
-        <p:txBody>
-          <a:bodyPr wrap="none">
-            <a:spAutoFit/>
-          </a:bodyPr>
-          <a:lstStyle/>
-          <a:p>
-            <a:pPr marL="0" marR="0" lvl="0" indent="0" algn="ctr" defTabSz="914400" rtl="0" eaLnBrk="1" fontAlgn="auto" latinLnBrk="0" hangingPunct="1">
-              <a:lnSpc>
-                <a:spcPct val="100000"/>
-              </a:lnSpc>
-              <a:spcBef>
-                <a:spcPts val="0"/>
-              </a:spcBef>
-              <a:spcAft>
-                <a:spcPts val="0"/>
-              </a:spcAft>
-              <a:buClrTx/>
-              <a:buSzTx/>
-              <a:buFontTx/>
-              <a:buNone/>
-              <a:defRPr/>
-            </a:pPr>
-            <a:r>
-              <a:rPr kumimoji="0" lang="zh-CN" altLang="en-US" sz="3200" b="1" i="0" u="none" strike="noStrike" kern="100" cap="none" spc="0" normalizeH="0" baseline="0" noProof="0" dirty="0">
-                <a:ln>
-                  <a:noFill/>
-                </a:ln>
-                <a:solidFill>
-                  <a:srgbClr val="29323F"/>
-                </a:solidFill>
-                <a:effectLst/>
-                <a:uLnTx/>
-                <a:uFillTx/>
-                <a:latin typeface="微软雅黑" panose="020B0503020204020204" pitchFamily="34" charset="-122"/>
-                <a:ea typeface="微软雅黑" panose="020B0503020204020204" pitchFamily="34" charset="-122"/>
-                <a:cs typeface="Times New Roman" panose="02020603050405020304" pitchFamily="18" charset="0"/>
-              </a:rPr>
-              <a:t>第二部分：项目设计（部分）</a:t>
+              <a:t>第一部分：项目设计（部分）</a:t>
             </a:r>
           </a:p>
         </p:txBody>
@@ -10533,7 +9159,7 @@
 </p:sld>
 </file>
 
-<file path=ppt/slides/slide5.xml><?xml version="1.0" encoding="utf-8"?>
+<file path=ppt/slides/slide3.xml><?xml version="1.0" encoding="utf-8"?>
 <p:sld xmlns:a="http://schemas.openxmlformats.org/drawingml/2006/main" xmlns:r="http://schemas.openxmlformats.org/officeDocument/2006/relationships" xmlns:p="http://schemas.openxmlformats.org/presentationml/2006/main">
   <p:cSld>
     <p:spTree>
@@ -10558,8 +9184,8 @@
         </p:nvSpPr>
         <p:spPr bwMode="auto">
           <a:xfrm>
-            <a:off x="390051" y="240030"/>
-            <a:ext cx="5519460" cy="584775"/>
+            <a:off x="416500" y="240030"/>
+            <a:ext cx="5466561" cy="584775"/>
           </a:xfrm>
           <a:prstGeom prst="rect">
             <a:avLst/>
@@ -10603,7 +9229,7 @@
                 <a:ea typeface="微软雅黑" panose="020B0503020204020204" pitchFamily="34" charset="-122"/>
                 <a:cs typeface="Times New Roman" panose="02020603050405020304" pitchFamily="18" charset="0"/>
               </a:rPr>
-              <a:t>第二部分：项目设计（部分）</a:t>
+              <a:t>第一部分：项目设计（部分）</a:t>
             </a:r>
           </a:p>
         </p:txBody>
@@ -10695,7 +9321,7 @@
 </p:sld>
 </file>
 
-<file path=ppt/slides/slide6.xml><?xml version="1.0" encoding="utf-8"?>
+<file path=ppt/slides/slide4.xml><?xml version="1.0" encoding="utf-8"?>
 <p:sld xmlns:a="http://schemas.openxmlformats.org/drawingml/2006/main" xmlns:r="http://schemas.openxmlformats.org/officeDocument/2006/relationships" xmlns:p="http://schemas.openxmlformats.org/presentationml/2006/main">
   <p:cSld>
     <p:spTree>
@@ -10765,7 +9391,7 @@
                 <a:ea typeface="微软雅黑" panose="020B0503020204020204" pitchFamily="34" charset="-122"/>
                 <a:cs typeface="Times New Roman" panose="02020603050405020304" pitchFamily="18" charset="0"/>
               </a:rPr>
-              <a:t>第二部分：项目设计（部分）</a:t>
+              <a:t>第一部分：项目设计（部分）</a:t>
             </a:r>
           </a:p>
         </p:txBody>
@@ -11046,7 +9672,7 @@
 </p:sld>
 </file>
 
-<file path=ppt/slides/slide7.xml><?xml version="1.0" encoding="utf-8"?>
+<file path=ppt/slides/slide5.xml><?xml version="1.0" encoding="utf-8"?>
 <p:sld xmlns:a="http://schemas.openxmlformats.org/drawingml/2006/main" xmlns:r="http://schemas.openxmlformats.org/officeDocument/2006/relationships" xmlns:p="http://schemas.openxmlformats.org/presentationml/2006/main">
   <p:cSld>
     <p:spTree>
@@ -11116,7 +9742,7 @@
                 <a:ea typeface="微软雅黑" panose="020B0503020204020204" pitchFamily="34" charset="-122"/>
                 <a:cs typeface="Times New Roman" panose="02020603050405020304" pitchFamily="18" charset="0"/>
               </a:rPr>
-              <a:t>第三部分：设计讲解（部分）</a:t>
+              <a:t>第二部分：设计讲解（部分）</a:t>
             </a:r>
           </a:p>
         </p:txBody>
@@ -11423,7 +10049,7 @@
 </p:sld>
 </file>
 
-<file path=ppt/slides/slide8.xml><?xml version="1.0" encoding="utf-8"?>
+<file path=ppt/slides/slide6.xml><?xml version="1.0" encoding="utf-8"?>
 <p:sld xmlns:a="http://schemas.openxmlformats.org/drawingml/2006/main" xmlns:r="http://schemas.openxmlformats.org/officeDocument/2006/relationships" xmlns:p="http://schemas.openxmlformats.org/presentationml/2006/main">
   <p:cSld>
     <p:spTree>
@@ -11493,7 +10119,7 @@
                 <a:ea typeface="微软雅黑" panose="020B0503020204020204" pitchFamily="34" charset="-122"/>
                 <a:cs typeface="Times New Roman" panose="02020603050405020304" pitchFamily="18" charset="0"/>
               </a:rPr>
-              <a:t>第三部分：设计讲解（部分）</a:t>
+              <a:t>第二部分：设计讲解（部分）</a:t>
             </a:r>
           </a:p>
         </p:txBody>
@@ -11780,7 +10406,7 @@
 </p:sld>
 </file>
 
-<file path=ppt/slides/slide9.xml><?xml version="1.0" encoding="utf-8"?>
+<file path=ppt/slides/slide7.xml><?xml version="1.0" encoding="utf-8"?>
 <p:sld xmlns:a="http://schemas.openxmlformats.org/drawingml/2006/main" xmlns:r="http://schemas.openxmlformats.org/officeDocument/2006/relationships" xmlns:p="http://schemas.openxmlformats.org/presentationml/2006/main">
   <p:cSld>
     <p:spTree>
@@ -11850,7 +10476,7 @@
                 <a:ea typeface="微软雅黑" panose="020B0503020204020204" pitchFamily="34" charset="-122"/>
                 <a:cs typeface="Times New Roman" panose="02020603050405020304" pitchFamily="18" charset="0"/>
               </a:rPr>
-              <a:t>第三部分：设计讲解（部分）</a:t>
+              <a:t>第二部分：设计讲解（部分）</a:t>
             </a:r>
           </a:p>
         </p:txBody>
@@ -12138,6 +10764,567 @@
           <a:xfrm>
             <a:off x="1868639" y="2624106"/>
             <a:ext cx="7463320" cy="3591723"/>
+          </a:xfrm>
+          <a:prstGeom prst="rect">
+            <a:avLst/>
+          </a:prstGeom>
+        </p:spPr>
+      </p:pic>
+    </p:spTree>
+  </p:cSld>
+  <p:clrMapOvr>
+    <a:masterClrMapping/>
+  </p:clrMapOvr>
+  <mc:AlternateContent xmlns:mc="http://schemas.openxmlformats.org/markup-compatibility/2006" xmlns:p14="http://schemas.microsoft.com/office/powerpoint/2010/main">
+    <mc:Choice Requires="p14">
+      <p:transition spd="med" p14:dur="700">
+        <p:fade/>
+      </p:transition>
+    </mc:Choice>
+    <mc:Fallback xmlns="">
+      <p:transition spd="med">
+        <p:fade/>
+      </p:transition>
+    </mc:Fallback>
+  </mc:AlternateContent>
+</p:sld>
+</file>
+
+<file path=ppt/slides/slide8.xml><?xml version="1.0" encoding="utf-8"?>
+<p:sld xmlns:a="http://schemas.openxmlformats.org/drawingml/2006/main" xmlns:r="http://schemas.openxmlformats.org/officeDocument/2006/relationships" xmlns:p="http://schemas.openxmlformats.org/presentationml/2006/main">
+  <p:cSld>
+    <p:spTree>
+      <p:nvGrpSpPr>
+        <p:cNvPr id="1" name=""/>
+        <p:cNvGrpSpPr/>
+        <p:nvPr/>
+      </p:nvGrpSpPr>
+      <p:grpSpPr>
+        <a:xfrm>
+          <a:off x="0" y="0"/>
+          <a:ext cx="0" cy="0"/>
+          <a:chOff x="0" y="0"/>
+          <a:chExt cx="0" cy="0"/>
+        </a:xfrm>
+      </p:grpSpPr>
+      <p:sp>
+        <p:nvSpPr>
+          <p:cNvPr id="4" name="矩形 3"/>
+          <p:cNvSpPr/>
+          <p:nvPr/>
+        </p:nvSpPr>
+        <p:spPr bwMode="auto">
+          <a:xfrm>
+            <a:off x="390050" y="240030"/>
+            <a:ext cx="5519460" cy="584775"/>
+          </a:xfrm>
+          <a:prstGeom prst="rect">
+            <a:avLst/>
+          </a:prstGeom>
+          <a:noFill/>
+        </p:spPr>
+        <p:txBody>
+          <a:bodyPr wrap="none">
+            <a:spAutoFit/>
+          </a:bodyPr>
+          <a:lstStyle/>
+          <a:p>
+            <a:pPr marL="0" marR="0" lvl="0" indent="0" algn="ctr" defTabSz="914400" rtl="0" eaLnBrk="1" fontAlgn="auto" latinLnBrk="0" hangingPunct="1">
+              <a:lnSpc>
+                <a:spcPct val="100000"/>
+              </a:lnSpc>
+              <a:spcBef>
+                <a:spcPts val="0"/>
+              </a:spcBef>
+              <a:spcAft>
+                <a:spcPts val="0"/>
+              </a:spcAft>
+              <a:buClrTx/>
+              <a:buSzTx/>
+              <a:buFontTx/>
+              <a:buNone/>
+              <a:defRPr/>
+            </a:pPr>
+            <a:r>
+              <a:rPr kumimoji="0" lang="zh-CN" altLang="en-US" sz="3200" b="1" i="0" u="none" strike="noStrike" kern="100" cap="none" spc="0" normalizeH="0" baseline="0" noProof="0" dirty="0">
+                <a:ln>
+                  <a:noFill/>
+                </a:ln>
+                <a:solidFill>
+                  <a:srgbClr val="29323F"/>
+                </a:solidFill>
+                <a:effectLst/>
+                <a:uLnTx/>
+                <a:uFillTx/>
+                <a:latin typeface="微软雅黑" panose="020B0503020204020204" pitchFamily="34" charset="-122"/>
+                <a:ea typeface="微软雅黑" panose="020B0503020204020204" pitchFamily="34" charset="-122"/>
+                <a:cs typeface="Times New Roman" panose="02020603050405020304" pitchFamily="18" charset="0"/>
+              </a:rPr>
+              <a:t>第二部分：设计讲解（部分）</a:t>
+            </a:r>
+          </a:p>
+        </p:txBody>
+      </p:sp>
+      <p:sp>
+        <p:nvSpPr>
+          <p:cNvPr id="2" name="文本框 1"/>
+          <p:cNvSpPr txBox="1"/>
+          <p:nvPr/>
+        </p:nvSpPr>
+        <p:spPr>
+          <a:xfrm>
+            <a:off x="593560" y="1021478"/>
+            <a:ext cx="10186737" cy="1846468"/>
+          </a:xfrm>
+          <a:prstGeom prst="rect">
+            <a:avLst/>
+          </a:prstGeom>
+          <a:noFill/>
+        </p:spPr>
+        <p:txBody>
+          <a:bodyPr wrap="square" rtlCol="0">
+            <a:spAutoFit/>
+          </a:bodyPr>
+          <a:lstStyle/>
+          <a:p>
+            <a:pPr marL="0" marR="0" lvl="0" indent="0" algn="l" defTabSz="914400" rtl="0" eaLnBrk="1" fontAlgn="auto" latinLnBrk="0" hangingPunct="1">
+              <a:lnSpc>
+                <a:spcPct val="100000"/>
+              </a:lnSpc>
+              <a:spcBef>
+                <a:spcPts val="0"/>
+              </a:spcBef>
+              <a:spcAft>
+                <a:spcPts val="0"/>
+              </a:spcAft>
+              <a:buClrTx/>
+              <a:buSzTx/>
+              <a:buFontTx/>
+              <a:buNone/>
+              <a:defRPr/>
+            </a:pPr>
+            <a:r>
+              <a:rPr kumimoji="0" lang="en-US" altLang="zh-CN" sz="3200" b="0" i="0" u="none" strike="noStrike" kern="1200" cap="none" spc="0" normalizeH="0" baseline="0" noProof="0" dirty="0" err="1">
+                <a:ln>
+                  <a:noFill/>
+                </a:ln>
+                <a:solidFill>
+                  <a:prstClr val="black"/>
+                </a:solidFill>
+                <a:effectLst/>
+                <a:uLnTx/>
+                <a:uFillTx/>
+                <a:latin typeface="微软雅黑" panose="020B0503020204020204" pitchFamily="34" charset="-122"/>
+                <a:ea typeface="微软雅黑" panose="020B0503020204020204" pitchFamily="34" charset="-122"/>
+                <a:cs typeface="+mn-cs"/>
+              </a:rPr>
+              <a:t>orderList.jsp</a:t>
+            </a:r>
+            <a:r>
+              <a:rPr kumimoji="0" lang="zh-CN" altLang="en-US" sz="3200" b="0" i="0" u="none" strike="noStrike" kern="1200" cap="none" spc="0" normalizeH="0" baseline="0" noProof="0" dirty="0">
+                <a:ln>
+                  <a:noFill/>
+                </a:ln>
+                <a:solidFill>
+                  <a:prstClr val="black"/>
+                </a:solidFill>
+                <a:effectLst/>
+                <a:uLnTx/>
+                <a:uFillTx/>
+                <a:latin typeface="微软雅黑" panose="020B0503020204020204" pitchFamily="34" charset="-122"/>
+                <a:ea typeface="微软雅黑" panose="020B0503020204020204" pitchFamily="34" charset="-122"/>
+                <a:cs typeface="+mn-cs"/>
+              </a:rPr>
+              <a:t>（</a:t>
+            </a:r>
+            <a:r>
+              <a:rPr lang="zh-CN" altLang="en-US" sz="3200" dirty="0">
+                <a:solidFill>
+                  <a:prstClr val="black"/>
+                </a:solidFill>
+                <a:latin typeface="微软雅黑" panose="020B0503020204020204" pitchFamily="34" charset="-122"/>
+                <a:ea typeface="微软雅黑" panose="020B0503020204020204" pitchFamily="34" charset="-122"/>
+              </a:rPr>
+              <a:t>购物车</a:t>
+            </a:r>
+            <a:r>
+              <a:rPr kumimoji="0" lang="zh-CN" altLang="en-US" sz="3200" b="0" i="0" u="none" strike="noStrike" kern="1200" cap="none" spc="0" normalizeH="0" baseline="0" noProof="0" dirty="0">
+                <a:ln>
+                  <a:noFill/>
+                </a:ln>
+                <a:solidFill>
+                  <a:prstClr val="black"/>
+                </a:solidFill>
+                <a:effectLst/>
+                <a:uLnTx/>
+                <a:uFillTx/>
+                <a:latin typeface="微软雅黑" panose="020B0503020204020204" pitchFamily="34" charset="-122"/>
+                <a:ea typeface="微软雅黑" panose="020B0503020204020204" pitchFamily="34" charset="-122"/>
+                <a:cs typeface="+mn-cs"/>
+              </a:rPr>
+              <a:t>）</a:t>
+            </a:r>
+            <a:endParaRPr kumimoji="0" lang="en-US" altLang="zh-CN" sz="3200" b="0" i="0" u="none" strike="noStrike" kern="1200" cap="none" spc="0" normalizeH="0" baseline="0" noProof="0" dirty="0">
+              <a:ln>
+                <a:noFill/>
+              </a:ln>
+              <a:solidFill>
+                <a:prstClr val="black"/>
+              </a:solidFill>
+              <a:effectLst/>
+              <a:uLnTx/>
+              <a:uFillTx/>
+              <a:latin typeface="微软雅黑" panose="020B0503020204020204" pitchFamily="34" charset="-122"/>
+              <a:ea typeface="微软雅黑" panose="020B0503020204020204" pitchFamily="34" charset="-122"/>
+              <a:cs typeface="+mn-cs"/>
+            </a:endParaRPr>
+          </a:p>
+          <a:p>
+            <a:pPr marL="0" marR="0" lvl="0" indent="0" algn="l" defTabSz="914400" rtl="0" eaLnBrk="1" fontAlgn="auto" latinLnBrk="0" hangingPunct="1">
+              <a:lnSpc>
+                <a:spcPct val="100000"/>
+              </a:lnSpc>
+              <a:spcBef>
+                <a:spcPts val="0"/>
+              </a:spcBef>
+              <a:spcAft>
+                <a:spcPts val="0"/>
+              </a:spcAft>
+              <a:buClrTx/>
+              <a:buSzTx/>
+              <a:buFontTx/>
+              <a:buNone/>
+              <a:defRPr/>
+            </a:pPr>
+            <a:endParaRPr kumimoji="0" lang="en-US" altLang="zh-CN" sz="1800" b="0" i="0" u="none" strike="noStrike" kern="1200" cap="none" spc="0" normalizeH="0" baseline="0" noProof="0" dirty="0">
+              <a:ln>
+                <a:noFill/>
+              </a:ln>
+              <a:solidFill>
+                <a:prstClr val="black"/>
+              </a:solidFill>
+              <a:effectLst/>
+              <a:uLnTx/>
+              <a:uFillTx/>
+              <a:latin typeface="Calibri Light" panose="020F0302020204030204"/>
+              <a:ea typeface="微软雅黑 Light" panose="020B0502040204020203" charset="-122"/>
+              <a:cs typeface="+mn-cs"/>
+            </a:endParaRPr>
+          </a:p>
+          <a:p>
+            <a:pPr marL="0" marR="0" lvl="0" indent="0" algn="l" defTabSz="914400" rtl="0" eaLnBrk="1" fontAlgn="auto" latinLnBrk="0" hangingPunct="1">
+              <a:lnSpc>
+                <a:spcPct val="100000"/>
+              </a:lnSpc>
+              <a:spcBef>
+                <a:spcPts val="0"/>
+              </a:spcBef>
+              <a:spcAft>
+                <a:spcPts val="0"/>
+              </a:spcAft>
+              <a:buClrTx/>
+              <a:buSzTx/>
+              <a:buFontTx/>
+              <a:buNone/>
+              <a:defRPr/>
+            </a:pPr>
+            <a:r>
+              <a:rPr kumimoji="0" lang="zh-CN" altLang="en-US" sz="2135" b="0" i="0" u="none" strike="noStrike" kern="1200" cap="none" spc="0" normalizeH="0" baseline="0" noProof="0" dirty="0">
+                <a:ln>
+                  <a:noFill/>
+                </a:ln>
+                <a:solidFill>
+                  <a:prstClr val="black"/>
+                </a:solidFill>
+                <a:effectLst/>
+                <a:uLnTx/>
+                <a:uFillTx/>
+                <a:latin typeface="宋体" panose="02010600030101010101" pitchFamily="2" charset="-122"/>
+                <a:ea typeface="宋体" panose="02010600030101010101" pitchFamily="2" charset="-122"/>
+                <a:cs typeface="+mn-cs"/>
+              </a:rPr>
+              <a:t>功能描述：根据当前登录的用户查询</a:t>
+            </a:r>
+            <a:r>
+              <a:rPr kumimoji="0" lang="en-US" altLang="zh-CN" sz="2135" b="0" i="0" u="none" strike="noStrike" kern="1200" cap="none" spc="0" normalizeH="0" baseline="0" noProof="0" dirty="0">
+                <a:ln>
+                  <a:noFill/>
+                </a:ln>
+                <a:solidFill>
+                  <a:prstClr val="black"/>
+                </a:solidFill>
+                <a:effectLst/>
+                <a:uLnTx/>
+                <a:uFillTx/>
+                <a:latin typeface="宋体" panose="02010600030101010101" pitchFamily="2" charset="-122"/>
+                <a:ea typeface="宋体" panose="02010600030101010101" pitchFamily="2" charset="-122"/>
+                <a:cs typeface="+mn-cs"/>
+              </a:rPr>
+              <a:t>order</a:t>
+            </a:r>
+            <a:r>
+              <a:rPr kumimoji="0" lang="zh-CN" altLang="en-US" sz="2135" b="0" i="0" u="none" strike="noStrike" kern="1200" cap="none" spc="0" normalizeH="0" baseline="0" noProof="0" dirty="0">
+                <a:ln>
+                  <a:noFill/>
+                </a:ln>
+                <a:solidFill>
+                  <a:prstClr val="black"/>
+                </a:solidFill>
+                <a:effectLst/>
+                <a:uLnTx/>
+                <a:uFillTx/>
+                <a:latin typeface="宋体" panose="02010600030101010101" pitchFamily="2" charset="-122"/>
+                <a:ea typeface="宋体" panose="02010600030101010101" pitchFamily="2" charset="-122"/>
+                <a:cs typeface="+mn-cs"/>
+              </a:rPr>
+              <a:t>表，将订单信息和状态显示到页面，点击等待付款进行付款之后更新订单状态为等待发货，管理员可以进行发货，订单状态会变成确认收货，点击确认收货，订单状态变为交易完成。</a:t>
+            </a:r>
+            <a:endParaRPr kumimoji="0" lang="en-US" altLang="zh-CN" sz="2135" b="0" i="0" u="none" strike="noStrike" kern="1200" cap="none" spc="0" normalizeH="0" baseline="0" noProof="0" dirty="0">
+              <a:ln>
+                <a:noFill/>
+              </a:ln>
+              <a:solidFill>
+                <a:prstClr val="black"/>
+              </a:solidFill>
+              <a:effectLst/>
+              <a:uLnTx/>
+              <a:uFillTx/>
+              <a:latin typeface="宋体" panose="02010600030101010101" pitchFamily="2" charset="-122"/>
+              <a:ea typeface="宋体" panose="02010600030101010101" pitchFamily="2" charset="-122"/>
+              <a:cs typeface="+mn-cs"/>
+            </a:endParaRPr>
+          </a:p>
+        </p:txBody>
+      </p:sp>
+      <p:pic>
+        <p:nvPicPr>
+          <p:cNvPr id="5" name="图片 4"/>
+          <p:cNvPicPr>
+            <a:picLocks noChangeAspect="1"/>
+          </p:cNvPicPr>
+          <p:nvPr/>
+        </p:nvPicPr>
+        <p:blipFill>
+          <a:blip r:embed="rId3"/>
+          <a:stretch>
+            <a:fillRect/>
+          </a:stretch>
+        </p:blipFill>
+        <p:spPr>
+          <a:xfrm>
+            <a:off x="2138193" y="2867946"/>
+            <a:ext cx="7542633" cy="3553174"/>
+          </a:xfrm>
+          <a:prstGeom prst="rect">
+            <a:avLst/>
+          </a:prstGeom>
+        </p:spPr>
+      </p:pic>
+    </p:spTree>
+  </p:cSld>
+  <p:clrMapOvr>
+    <a:masterClrMapping/>
+  </p:clrMapOvr>
+  <mc:AlternateContent xmlns:mc="http://schemas.openxmlformats.org/markup-compatibility/2006" xmlns:p14="http://schemas.microsoft.com/office/powerpoint/2010/main">
+    <mc:Choice Requires="p14">
+      <p:transition spd="med" p14:dur="700">
+        <p:fade/>
+      </p:transition>
+    </mc:Choice>
+    <mc:Fallback xmlns="">
+      <p:transition spd="med">
+        <p:fade/>
+      </p:transition>
+    </mc:Fallback>
+  </mc:AlternateContent>
+</p:sld>
+</file>
+
+<file path=ppt/slides/slide9.xml><?xml version="1.0" encoding="utf-8"?>
+<p:sld xmlns:a="http://schemas.openxmlformats.org/drawingml/2006/main" xmlns:r="http://schemas.openxmlformats.org/officeDocument/2006/relationships" xmlns:p="http://schemas.openxmlformats.org/presentationml/2006/main">
+  <p:cSld>
+    <p:spTree>
+      <p:nvGrpSpPr>
+        <p:cNvPr id="1" name=""/>
+        <p:cNvGrpSpPr/>
+        <p:nvPr/>
+      </p:nvGrpSpPr>
+      <p:grpSpPr>
+        <a:xfrm>
+          <a:off x="0" y="0"/>
+          <a:ext cx="0" cy="0"/>
+          <a:chOff x="0" y="0"/>
+          <a:chExt cx="0" cy="0"/>
+        </a:xfrm>
+      </p:grpSpPr>
+      <p:sp>
+        <p:nvSpPr>
+          <p:cNvPr id="4" name="矩形 3"/>
+          <p:cNvSpPr/>
+          <p:nvPr/>
+        </p:nvSpPr>
+        <p:spPr bwMode="auto">
+          <a:xfrm>
+            <a:off x="390050" y="240030"/>
+            <a:ext cx="5519460" cy="584775"/>
+          </a:xfrm>
+          <a:prstGeom prst="rect">
+            <a:avLst/>
+          </a:prstGeom>
+          <a:noFill/>
+        </p:spPr>
+        <p:txBody>
+          <a:bodyPr wrap="none">
+            <a:spAutoFit/>
+          </a:bodyPr>
+          <a:lstStyle/>
+          <a:p>
+            <a:pPr algn="ctr" defTabSz="914400">
+              <a:defRPr/>
+            </a:pPr>
+            <a:r>
+              <a:rPr lang="zh-CN" altLang="en-US" sz="3200" b="1" kern="100" dirty="0">
+                <a:solidFill>
+                  <a:srgbClr val="29323F"/>
+                </a:solidFill>
+                <a:latin typeface="微软雅黑" panose="020B0503020204020204" pitchFamily="34" charset="-122"/>
+                <a:ea typeface="微软雅黑" panose="020B0503020204020204" pitchFamily="34" charset="-122"/>
+                <a:cs typeface="Times New Roman" panose="02020603050405020304" pitchFamily="18" charset="0"/>
+              </a:rPr>
+              <a:t>第</a:t>
+            </a:r>
+            <a:r>
+              <a:rPr kumimoji="0" lang="zh-CN" altLang="en-US" sz="3200" b="1" i="0" u="none" strike="noStrike" kern="100" cap="none" spc="0" normalizeH="0" baseline="0" noProof="0" dirty="0">
+                <a:ln>
+                  <a:noFill/>
+                </a:ln>
+                <a:solidFill>
+                  <a:srgbClr val="29323F"/>
+                </a:solidFill>
+                <a:effectLst/>
+                <a:uLnTx/>
+                <a:uFillTx/>
+                <a:latin typeface="微软雅黑" panose="020B0503020204020204" pitchFamily="34" charset="-122"/>
+                <a:ea typeface="微软雅黑" panose="020B0503020204020204" pitchFamily="34" charset="-122"/>
+                <a:cs typeface="Times New Roman" panose="02020603050405020304" pitchFamily="18" charset="0"/>
+              </a:rPr>
+              <a:t>二</a:t>
+            </a:r>
+            <a:r>
+              <a:rPr lang="zh-CN" altLang="en-US" sz="3200" b="1" kern="100" dirty="0">
+                <a:solidFill>
+                  <a:srgbClr val="29323F"/>
+                </a:solidFill>
+                <a:latin typeface="微软雅黑" panose="020B0503020204020204" pitchFamily="34" charset="-122"/>
+                <a:ea typeface="微软雅黑" panose="020B0503020204020204" pitchFamily="34" charset="-122"/>
+                <a:cs typeface="Times New Roman" panose="02020603050405020304" pitchFamily="18" charset="0"/>
+              </a:rPr>
+              <a:t>部分：设计讲解（部分）</a:t>
+            </a:r>
+          </a:p>
+        </p:txBody>
+      </p:sp>
+      <p:sp>
+        <p:nvSpPr>
+          <p:cNvPr id="2" name="文本框 1"/>
+          <p:cNvSpPr txBox="1"/>
+          <p:nvPr/>
+        </p:nvSpPr>
+        <p:spPr>
+          <a:xfrm>
+            <a:off x="593560" y="1021478"/>
+            <a:ext cx="10186737" cy="1846468"/>
+          </a:xfrm>
+          <a:prstGeom prst="rect">
+            <a:avLst/>
+          </a:prstGeom>
+          <a:noFill/>
+        </p:spPr>
+        <p:txBody>
+          <a:bodyPr wrap="square" rtlCol="0">
+            <a:spAutoFit/>
+          </a:bodyPr>
+          <a:lstStyle/>
+          <a:p>
+            <a:pPr defTabSz="914400"/>
+            <a:r>
+              <a:rPr lang="en-US" altLang="zh-CN" sz="3200" dirty="0" err="1">
+                <a:solidFill>
+                  <a:prstClr val="black"/>
+                </a:solidFill>
+                <a:latin typeface="微软雅黑" panose="020B0503020204020204" pitchFamily="34" charset="-122"/>
+                <a:ea typeface="微软雅黑" panose="020B0503020204020204" pitchFamily="34" charset="-122"/>
+              </a:rPr>
+              <a:t>login.jsp</a:t>
+            </a:r>
+            <a:r>
+              <a:rPr lang="zh-CN" altLang="en-US" sz="3200" dirty="0">
+                <a:solidFill>
+                  <a:prstClr val="black"/>
+                </a:solidFill>
+                <a:latin typeface="微软雅黑" panose="020B0503020204020204" pitchFamily="34" charset="-122"/>
+                <a:ea typeface="微软雅黑" panose="020B0503020204020204" pitchFamily="34" charset="-122"/>
+              </a:rPr>
+              <a:t>（用户登录）</a:t>
+            </a:r>
+            <a:endParaRPr lang="en-US" altLang="zh-CN" sz="3200" dirty="0">
+              <a:solidFill>
+                <a:prstClr val="black"/>
+              </a:solidFill>
+              <a:latin typeface="微软雅黑" panose="020B0503020204020204" pitchFamily="34" charset="-122"/>
+              <a:ea typeface="微软雅黑" panose="020B0503020204020204" pitchFamily="34" charset="-122"/>
+            </a:endParaRPr>
+          </a:p>
+          <a:p>
+            <a:pPr defTabSz="914400"/>
+            <a:endParaRPr lang="en-US" altLang="zh-CN" dirty="0">
+              <a:solidFill>
+                <a:prstClr val="black"/>
+              </a:solidFill>
+              <a:latin typeface="Calibri Light" panose="020F0302020204030204"/>
+              <a:ea typeface="微软雅黑 Light" panose="020B0502040204020203" charset="-122"/>
+            </a:endParaRPr>
+          </a:p>
+          <a:p>
+            <a:pPr defTabSz="914400"/>
+            <a:r>
+              <a:rPr lang="zh-CN" altLang="en-US" sz="2135" dirty="0">
+                <a:solidFill>
+                  <a:prstClr val="black"/>
+                </a:solidFill>
+                <a:latin typeface="宋体" panose="02010600030101010101" pitchFamily="2" charset="-122"/>
+                <a:ea typeface="宋体" panose="02010600030101010101" pitchFamily="2" charset="-122"/>
+              </a:rPr>
+              <a:t>功能描述：负责用户的登录操作，用户输入用户名，输入对应的正确密码和校验即可成功登录，若输入错误则提示没有找到该用户，用户可进行注册跳转至注册页面；登录成功则可进入商城。</a:t>
+            </a:r>
+            <a:endParaRPr lang="en-US" altLang="zh-CN" sz="2135" dirty="0">
+              <a:solidFill>
+                <a:prstClr val="black"/>
+              </a:solidFill>
+              <a:latin typeface="宋体" panose="02010600030101010101" pitchFamily="2" charset="-122"/>
+              <a:ea typeface="宋体" panose="02010600030101010101" pitchFamily="2" charset="-122"/>
+            </a:endParaRPr>
+          </a:p>
+        </p:txBody>
+      </p:sp>
+      <p:pic>
+        <p:nvPicPr>
+          <p:cNvPr id="5" name="图片 4"/>
+          <p:cNvPicPr>
+            <a:picLocks noChangeAspect="1"/>
+          </p:cNvPicPr>
+          <p:nvPr/>
+        </p:nvPicPr>
+        <p:blipFill>
+          <a:blip r:embed="rId3"/>
+          <a:stretch>
+            <a:fillRect/>
+          </a:stretch>
+        </p:blipFill>
+        <p:spPr>
+          <a:xfrm>
+            <a:off x="3753851" y="2584479"/>
+            <a:ext cx="7844591" cy="3756015"/>
           </a:xfrm>
           <a:prstGeom prst="rect">
             <a:avLst/>
